--- a/savet.pptx
+++ b/savet.pptx
@@ -11,11 +11,12 @@
     <p:sldId id="268" r:id="rId5"/>
     <p:sldId id="264" r:id="rId6"/>
     <p:sldId id="259" r:id="rId7"/>
-    <p:sldId id="267" r:id="rId8"/>
+    <p:sldId id="271" r:id="rId8"/>
     <p:sldId id="269" r:id="rId9"/>
-    <p:sldId id="260" r:id="rId10"/>
-    <p:sldId id="261" r:id="rId11"/>
-    <p:sldId id="262" r:id="rId12"/>
+    <p:sldId id="272" r:id="rId10"/>
+    <p:sldId id="273" r:id="rId11"/>
+    <p:sldId id="260" r:id="rId12"/>
+    <p:sldId id="262" r:id="rId13"/>
   </p:sldIdLst>
   <p:sldSz cx="12192000" cy="6858000"/>
   <p:notesSz cx="6858000" cy="9144000"/>
@@ -285,7 +286,7 @@
           <a:p>
             <a:fld id="{69DEC756-113B-403D-BE00-153D81FE5434}" type="datetimeFigureOut">
               <a:rPr lang="en-US" smtClean="0"/>
-              <a:t>5/31/2022</a:t>
+              <a:t>6/27/2022</a:t>
             </a:fld>
             <a:endParaRPr lang="en-US"/>
           </a:p>
@@ -455,7 +456,7 @@
           <a:p>
             <a:fld id="{69DEC756-113B-403D-BE00-153D81FE5434}" type="datetimeFigureOut">
               <a:rPr lang="en-US" smtClean="0"/>
-              <a:t>5/31/2022</a:t>
+              <a:t>6/27/2022</a:t>
             </a:fld>
             <a:endParaRPr lang="en-US"/>
           </a:p>
@@ -635,7 +636,7 @@
           <a:p>
             <a:fld id="{69DEC756-113B-403D-BE00-153D81FE5434}" type="datetimeFigureOut">
               <a:rPr lang="en-US" smtClean="0"/>
-              <a:t>5/31/2022</a:t>
+              <a:t>6/27/2022</a:t>
             </a:fld>
             <a:endParaRPr lang="en-US"/>
           </a:p>
@@ -805,7 +806,7 @@
           <a:p>
             <a:fld id="{69DEC756-113B-403D-BE00-153D81FE5434}" type="datetimeFigureOut">
               <a:rPr lang="en-US" smtClean="0"/>
-              <a:t>5/31/2022</a:t>
+              <a:t>6/27/2022</a:t>
             </a:fld>
             <a:endParaRPr lang="en-US"/>
           </a:p>
@@ -1073,7 +1074,7 @@
           <a:p>
             <a:fld id="{69DEC756-113B-403D-BE00-153D81FE5434}" type="datetimeFigureOut">
               <a:rPr lang="en-US" smtClean="0"/>
-              <a:t>5/31/2022</a:t>
+              <a:t>6/27/2022</a:t>
             </a:fld>
             <a:endParaRPr lang="en-US"/>
           </a:p>
@@ -1305,7 +1306,7 @@
           <a:p>
             <a:fld id="{69DEC756-113B-403D-BE00-153D81FE5434}" type="datetimeFigureOut">
               <a:rPr lang="en-US" smtClean="0"/>
-              <a:t>5/31/2022</a:t>
+              <a:t>6/27/2022</a:t>
             </a:fld>
             <a:endParaRPr lang="en-US"/>
           </a:p>
@@ -1664,7 +1665,7 @@
           <a:p>
             <a:fld id="{69DEC756-113B-403D-BE00-153D81FE5434}" type="datetimeFigureOut">
               <a:rPr lang="en-US" smtClean="0"/>
-              <a:t>5/31/2022</a:t>
+              <a:t>6/27/2022</a:t>
             </a:fld>
             <a:endParaRPr lang="en-US"/>
           </a:p>
@@ -1805,7 +1806,7 @@
           <a:p>
             <a:fld id="{69DEC756-113B-403D-BE00-153D81FE5434}" type="datetimeFigureOut">
               <a:rPr lang="en-US" smtClean="0"/>
-              <a:t>5/31/2022</a:t>
+              <a:t>6/27/2022</a:t>
             </a:fld>
             <a:endParaRPr lang="en-US"/>
           </a:p>
@@ -1900,7 +1901,7 @@
           <a:p>
             <a:fld id="{69DEC756-113B-403D-BE00-153D81FE5434}" type="datetimeFigureOut">
               <a:rPr lang="en-US" smtClean="0"/>
-              <a:t>5/31/2022</a:t>
+              <a:t>6/27/2022</a:t>
             </a:fld>
             <a:endParaRPr lang="en-US"/>
           </a:p>
@@ -2257,7 +2258,7 @@
           <a:p>
             <a:fld id="{69DEC756-113B-403D-BE00-153D81FE5434}" type="datetimeFigureOut">
               <a:rPr lang="en-US" smtClean="0"/>
-              <a:t>5/31/2022</a:t>
+              <a:t>6/27/2022</a:t>
             </a:fld>
             <a:endParaRPr lang="en-US"/>
           </a:p>
@@ -2614,7 +2615,7 @@
           <a:p>
             <a:fld id="{69DEC756-113B-403D-BE00-153D81FE5434}" type="datetimeFigureOut">
               <a:rPr lang="en-US" smtClean="0"/>
-              <a:t>5/31/2022</a:t>
+              <a:t>6/27/2022</a:t>
             </a:fld>
             <a:endParaRPr lang="en-US"/>
           </a:p>
@@ -2856,7 +2857,7 @@
           <a:p>
             <a:fld id="{69DEC756-113B-403D-BE00-153D81FE5434}" type="datetimeFigureOut">
               <a:rPr lang="en-US" smtClean="0"/>
-              <a:t>5/31/2022</a:t>
+              <a:t>6/27/2022</a:t>
             </a:fld>
             <a:endParaRPr lang="en-US"/>
           </a:p>
@@ -3376,35 +3377,10 @@
       </p:grpSpPr>
       <p:sp>
         <p:nvSpPr>
-          <p:cNvPr id="3" name="Content Placeholder 2">
+          <p:cNvPr id="18" name="TextBox 17">
             <a:extLst>
               <a:ext uri="{FF2B5EF4-FFF2-40B4-BE49-F238E27FC236}">
-                <a16:creationId xmlns:a16="http://schemas.microsoft.com/office/drawing/2014/main" id="{F0BACC31-BAD1-DE66-8516-000B19FAE03A}"/>
-              </a:ext>
-            </a:extLst>
-          </p:cNvPr>
-          <p:cNvSpPr>
-            <a:spLocks noGrp="1"/>
-          </p:cNvSpPr>
-          <p:nvPr>
-            <p:ph idx="1"/>
-          </p:nvPr>
-        </p:nvSpPr>
-        <p:spPr/>
-        <p:txBody>
-          <a:bodyPr/>
-          <a:lstStyle/>
-          <a:p>
-            <a:endParaRPr lang="en-US" dirty="0"/>
-          </a:p>
-        </p:txBody>
-      </p:sp>
-      <p:sp>
-        <p:nvSpPr>
-          <p:cNvPr id="7" name="TextBox 6">
-            <a:extLst>
-              <a:ext uri="{FF2B5EF4-FFF2-40B4-BE49-F238E27FC236}">
-                <a16:creationId xmlns:a16="http://schemas.microsoft.com/office/drawing/2014/main" id="{C82B4E7D-4142-B912-22B2-E1A88A6EB4D3}"/>
+                <a16:creationId xmlns:a16="http://schemas.microsoft.com/office/drawing/2014/main" id="{3A7CFE96-3E65-0D4E-2C7C-7352B83CBFE6}"/>
               </a:ext>
             </a:extLst>
           </p:cNvPr>
@@ -3413,8 +3389,8 @@
         </p:nvSpPr>
         <p:spPr>
           <a:xfrm>
-            <a:off x="546537" y="323220"/>
-            <a:ext cx="9070427" cy="1754326"/>
+            <a:off x="168164" y="198637"/>
+            <a:ext cx="11056884" cy="1323439"/>
           </a:xfrm>
           <a:prstGeom prst="rect">
             <a:avLst/>
@@ -3427,24 +3403,649 @@
           </a:bodyPr>
           <a:lstStyle/>
           <a:p>
-            <a:pPr marL="0" indent="0">
-              <a:buNone/>
-            </a:pPr>
+            <a:r>
+              <a:rPr lang="en-US" sz="3200" b="1" dirty="0">
+                <a:solidFill>
+                  <a:srgbClr val="FE5722"/>
+                </a:solidFill>
+                <a:latin typeface="-apple-system"/>
+              </a:rPr>
+              <a:t>Share Button : </a:t>
+            </a:r>
+          </a:p>
+          <a:p>
+            <a:r>
+              <a:rPr lang="en-US" sz="2400" b="1" dirty="0">
+                <a:latin typeface="-apple-system"/>
+              </a:rPr>
+              <a:t>Here is an example for saving directly an image from Facebook app to </a:t>
+            </a:r>
+            <a:r>
+              <a:rPr lang="en-US" sz="2400" b="1" dirty="0" err="1">
+                <a:latin typeface="-apple-system"/>
+              </a:rPr>
+              <a:t>Savet</a:t>
+            </a:r>
+            <a:r>
+              <a:rPr lang="en-US" sz="2400" b="1" dirty="0">
+                <a:latin typeface="-apple-system"/>
+              </a:rPr>
+              <a:t> app by the share button.</a:t>
+            </a:r>
+          </a:p>
+        </p:txBody>
+      </p:sp>
+      <p:pic>
+        <p:nvPicPr>
+          <p:cNvPr id="4" name="Picture 3" descr="Graphical user interface, website&#10;&#10;Description automatically generated">
+            <a:extLst>
+              <a:ext uri="{FF2B5EF4-FFF2-40B4-BE49-F238E27FC236}">
+                <a16:creationId xmlns:a16="http://schemas.microsoft.com/office/drawing/2014/main" id="{3A8B5089-8B1E-94AC-2E34-7D0853C1C80D}"/>
+              </a:ext>
+            </a:extLst>
+          </p:cNvPr>
+          <p:cNvPicPr>
+            <a:picLocks noChangeAspect="1"/>
+          </p:cNvPicPr>
+          <p:nvPr/>
+        </p:nvPicPr>
+        <p:blipFill>
+          <a:blip r:embed="rId2">
+            <a:extLst>
+              <a:ext uri="{28A0092B-C50C-407E-A947-70E740481C1C}">
+                <a14:useLocalDpi xmlns:a14="http://schemas.microsoft.com/office/drawing/2010/main" val="0"/>
+              </a:ext>
+            </a:extLst>
+          </a:blip>
+          <a:stretch>
+            <a:fillRect/>
+          </a:stretch>
+        </p:blipFill>
+        <p:spPr>
+          <a:xfrm>
+            <a:off x="4500189" y="2253106"/>
+            <a:ext cx="2392833" cy="4920203"/>
+          </a:xfrm>
+          <a:prstGeom prst="rect">
+            <a:avLst/>
+          </a:prstGeom>
+        </p:spPr>
+      </p:pic>
+      <p:pic>
+        <p:nvPicPr>
+          <p:cNvPr id="6" name="Picture 5" descr="Graphical user interface, website&#10;&#10;Description automatically generated">
+            <a:extLst>
+              <a:ext uri="{FF2B5EF4-FFF2-40B4-BE49-F238E27FC236}">
+                <a16:creationId xmlns:a16="http://schemas.microsoft.com/office/drawing/2014/main" id="{AC100E87-A378-E70F-DE4A-37FE7E07CC09}"/>
+              </a:ext>
+            </a:extLst>
+          </p:cNvPr>
+          <p:cNvPicPr>
+            <a:picLocks noChangeAspect="1"/>
+          </p:cNvPicPr>
+          <p:nvPr/>
+        </p:nvPicPr>
+        <p:blipFill>
+          <a:blip r:embed="rId3">
+            <a:extLst>
+              <a:ext uri="{28A0092B-C50C-407E-A947-70E740481C1C}">
+                <a14:useLocalDpi xmlns:a14="http://schemas.microsoft.com/office/drawing/2010/main" val="0"/>
+              </a:ext>
+            </a:extLst>
+          </a:blip>
+          <a:stretch>
+            <a:fillRect/>
+          </a:stretch>
+        </p:blipFill>
+        <p:spPr>
+          <a:xfrm>
+            <a:off x="4500189" y="2253106"/>
+            <a:ext cx="2392833" cy="4920203"/>
+          </a:xfrm>
+          <a:prstGeom prst="rect">
+            <a:avLst/>
+          </a:prstGeom>
+        </p:spPr>
+      </p:pic>
+      <p:sp>
+        <p:nvSpPr>
+          <p:cNvPr id="7" name="Oval 6">
+            <a:extLst>
+              <a:ext uri="{FF2B5EF4-FFF2-40B4-BE49-F238E27FC236}">
+                <a16:creationId xmlns:a16="http://schemas.microsoft.com/office/drawing/2014/main" id="{BE7C9DD0-C328-4A7B-9DF7-DDB369949690}"/>
+              </a:ext>
+            </a:extLst>
+          </p:cNvPr>
+          <p:cNvSpPr/>
+          <p:nvPr/>
+        </p:nvSpPr>
+        <p:spPr>
+          <a:xfrm>
+            <a:off x="5580993" y="5465379"/>
+            <a:ext cx="1450428" cy="472966"/>
+          </a:xfrm>
+          <a:prstGeom prst="ellipse">
+            <a:avLst/>
+          </a:prstGeom>
+          <a:noFill/>
+          <a:ln w="38100">
+            <a:solidFill>
+              <a:srgbClr val="FE5722"/>
+            </a:solidFill>
+          </a:ln>
+        </p:spPr>
+        <p:style>
+          <a:lnRef idx="2">
+            <a:schemeClr val="accent1">
+              <a:shade val="50000"/>
+            </a:schemeClr>
+          </a:lnRef>
+          <a:fillRef idx="1">
+            <a:schemeClr val="accent1"/>
+          </a:fillRef>
+          <a:effectRef idx="0">
+            <a:schemeClr val="accent1"/>
+          </a:effectRef>
+          <a:fontRef idx="minor">
+            <a:schemeClr val="lt1"/>
+          </a:fontRef>
+        </p:style>
+        <p:txBody>
+          <a:bodyPr rtlCol="0" anchor="ctr"/>
+          <a:lstStyle/>
+          <a:p>
+            <a:pPr algn="ctr"/>
+            <a:endParaRPr lang="en-US"/>
+          </a:p>
+        </p:txBody>
+      </p:sp>
+      <p:pic>
+        <p:nvPicPr>
+          <p:cNvPr id="9" name="Picture 8" descr="Graphical user interface, text, application&#10;&#10;Description automatically generated">
+            <a:extLst>
+              <a:ext uri="{FF2B5EF4-FFF2-40B4-BE49-F238E27FC236}">
+                <a16:creationId xmlns:a16="http://schemas.microsoft.com/office/drawing/2014/main" id="{8EE27405-AF50-8589-F17E-39835BEE64A8}"/>
+              </a:ext>
+            </a:extLst>
+          </p:cNvPr>
+          <p:cNvPicPr>
+            <a:picLocks noChangeAspect="1"/>
+          </p:cNvPicPr>
+          <p:nvPr/>
+        </p:nvPicPr>
+        <p:blipFill>
+          <a:blip r:embed="rId4">
+            <a:extLst>
+              <a:ext uri="{28A0092B-C50C-407E-A947-70E740481C1C}">
+                <a14:useLocalDpi xmlns:a14="http://schemas.microsoft.com/office/drawing/2010/main" val="0"/>
+              </a:ext>
+            </a:extLst>
+          </a:blip>
+          <a:stretch>
+            <a:fillRect/>
+          </a:stretch>
+        </p:blipFill>
+        <p:spPr>
+          <a:xfrm>
+            <a:off x="4500189" y="1414501"/>
+            <a:ext cx="2678377" cy="5516685"/>
+          </a:xfrm>
+          <a:prstGeom prst="rect">
+            <a:avLst/>
+          </a:prstGeom>
+        </p:spPr>
+      </p:pic>
+      <p:pic>
+        <p:nvPicPr>
+          <p:cNvPr id="13" name="Picture 12" descr="Graphical user interface&#10;&#10;Description automatically generated with medium confidence">
+            <a:extLst>
+              <a:ext uri="{FF2B5EF4-FFF2-40B4-BE49-F238E27FC236}">
+                <a16:creationId xmlns:a16="http://schemas.microsoft.com/office/drawing/2014/main" id="{0FD2376C-8466-92D3-B369-936FE33C24E2}"/>
+              </a:ext>
+            </a:extLst>
+          </p:cNvPr>
+          <p:cNvPicPr>
+            <a:picLocks noChangeAspect="1"/>
+          </p:cNvPicPr>
+          <p:nvPr/>
+        </p:nvPicPr>
+        <p:blipFill>
+          <a:blip r:embed="rId5">
+            <a:extLst>
+              <a:ext uri="{28A0092B-C50C-407E-A947-70E740481C1C}">
+                <a14:useLocalDpi xmlns:a14="http://schemas.microsoft.com/office/drawing/2010/main" val="0"/>
+              </a:ext>
+            </a:extLst>
+          </a:blip>
+          <a:stretch>
+            <a:fillRect/>
+          </a:stretch>
+        </p:blipFill>
+        <p:spPr>
+          <a:xfrm>
+            <a:off x="4500189" y="1414501"/>
+            <a:ext cx="2750185" cy="5352436"/>
+          </a:xfrm>
+          <a:prstGeom prst="rect">
+            <a:avLst/>
+          </a:prstGeom>
+        </p:spPr>
+      </p:pic>
+      <p:pic>
+        <p:nvPicPr>
+          <p:cNvPr id="16" name="Picture 15" descr="A picture containing graphical user interface&#10;&#10;Description automatically generated">
+            <a:extLst>
+              <a:ext uri="{FF2B5EF4-FFF2-40B4-BE49-F238E27FC236}">
+                <a16:creationId xmlns:a16="http://schemas.microsoft.com/office/drawing/2014/main" id="{8675D5CC-DE4D-4BD4-5A1C-C76399A7FE04}"/>
+              </a:ext>
+            </a:extLst>
+          </p:cNvPr>
+          <p:cNvPicPr>
+            <a:picLocks noChangeAspect="1"/>
+          </p:cNvPicPr>
+          <p:nvPr/>
+        </p:nvPicPr>
+        <p:blipFill>
+          <a:blip r:embed="rId6">
+            <a:extLst>
+              <a:ext uri="{28A0092B-C50C-407E-A947-70E740481C1C}">
+                <a14:useLocalDpi xmlns:a14="http://schemas.microsoft.com/office/drawing/2010/main" val="0"/>
+              </a:ext>
+            </a:extLst>
+          </a:blip>
+          <a:stretch>
+            <a:fillRect/>
+          </a:stretch>
+        </p:blipFill>
+        <p:spPr>
+          <a:xfrm>
+            <a:off x="4500189" y="1345344"/>
+            <a:ext cx="2786089" cy="5654997"/>
+          </a:xfrm>
+          <a:prstGeom prst="rect">
+            <a:avLst/>
+          </a:prstGeom>
+        </p:spPr>
+      </p:pic>
+      <p:sp>
+        <p:nvSpPr>
+          <p:cNvPr id="17" name="Arrow: Right 16">
+            <a:extLst>
+              <a:ext uri="{FF2B5EF4-FFF2-40B4-BE49-F238E27FC236}">
+                <a16:creationId xmlns:a16="http://schemas.microsoft.com/office/drawing/2014/main" id="{931CEA11-A64B-8237-C9A3-9C2114C718BC}"/>
+              </a:ext>
+            </a:extLst>
+          </p:cNvPr>
+          <p:cNvSpPr/>
+          <p:nvPr/>
+        </p:nvSpPr>
+        <p:spPr>
+          <a:xfrm>
+            <a:off x="3405352" y="1660634"/>
+            <a:ext cx="840827" cy="325821"/>
+          </a:xfrm>
+          <a:prstGeom prst="rightArrow">
+            <a:avLst/>
+          </a:prstGeom>
+        </p:spPr>
+        <p:style>
+          <a:lnRef idx="2">
+            <a:schemeClr val="dk1">
+              <a:shade val="50000"/>
+            </a:schemeClr>
+          </a:lnRef>
+          <a:fillRef idx="1">
+            <a:schemeClr val="dk1"/>
+          </a:fillRef>
+          <a:effectRef idx="0">
+            <a:schemeClr val="dk1"/>
+          </a:effectRef>
+          <a:fontRef idx="minor">
+            <a:schemeClr val="lt1"/>
+          </a:fontRef>
+        </p:style>
+        <p:txBody>
+          <a:bodyPr rtlCol="0" anchor="ctr"/>
+          <a:lstStyle/>
+          <a:p>
+            <a:pPr algn="ctr"/>
+            <a:endParaRPr lang="en-US"/>
+          </a:p>
+        </p:txBody>
+      </p:sp>
+    </p:spTree>
+    <p:extLst>
+      <p:ext uri="{BB962C8B-B14F-4D97-AF65-F5344CB8AC3E}">
+        <p14:creationId xmlns:p14="http://schemas.microsoft.com/office/powerpoint/2010/main" val="2989411925"/>
+      </p:ext>
+    </p:extLst>
+  </p:cSld>
+  <p:clrMapOvr>
+    <a:masterClrMapping/>
+  </p:clrMapOvr>
+  <p:timing>
+    <p:tnLst>
+      <p:par>
+        <p:cTn id="1" dur="indefinite" restart="never" nodeType="tmRoot">
+          <p:childTnLst>
+            <p:seq concurrent="1" nextAc="seek">
+              <p:cTn id="2" dur="indefinite" nodeType="mainSeq">
+                <p:childTnLst>
+                  <p:par>
+                    <p:cTn id="3" fill="hold">
+                      <p:stCondLst>
+                        <p:cond delay="indefinite"/>
+                      </p:stCondLst>
+                      <p:childTnLst>
+                        <p:par>
+                          <p:cTn id="4" fill="hold">
+                            <p:stCondLst>
+                              <p:cond delay="0"/>
+                            </p:stCondLst>
+                            <p:childTnLst>
+                              <p:par>
+                                <p:cTn id="5" presetID="1" presetClass="entr" presetSubtype="0" fill="hold" grpId="0" nodeType="clickEffect">
+                                  <p:stCondLst>
+                                    <p:cond delay="0"/>
+                                  </p:stCondLst>
+                                  <p:childTnLst>
+                                    <p:set>
+                                      <p:cBhvr>
+                                        <p:cTn id="6" dur="1" fill="hold">
+                                          <p:stCondLst>
+                                            <p:cond delay="0"/>
+                                          </p:stCondLst>
+                                        </p:cTn>
+                                        <p:tgtEl>
+                                          <p:spTgt spid="7"/>
+                                        </p:tgtEl>
+                                        <p:attrNameLst>
+                                          <p:attrName>style.visibility</p:attrName>
+                                        </p:attrNameLst>
+                                      </p:cBhvr>
+                                      <p:to>
+                                        <p:strVal val="visible"/>
+                                      </p:to>
+                                    </p:set>
+                                  </p:childTnLst>
+                                </p:cTn>
+                              </p:par>
+                            </p:childTnLst>
+                          </p:cTn>
+                        </p:par>
+                      </p:childTnLst>
+                    </p:cTn>
+                  </p:par>
+                  <p:par>
+                    <p:cTn id="7" fill="hold">
+                      <p:stCondLst>
+                        <p:cond delay="indefinite"/>
+                      </p:stCondLst>
+                      <p:childTnLst>
+                        <p:par>
+                          <p:cTn id="8" fill="hold">
+                            <p:stCondLst>
+                              <p:cond delay="0"/>
+                            </p:stCondLst>
+                            <p:childTnLst>
+                              <p:par>
+                                <p:cTn id="9" presetID="1" presetClass="entr" presetSubtype="0" fill="hold" nodeType="clickEffect">
+                                  <p:stCondLst>
+                                    <p:cond delay="0"/>
+                                  </p:stCondLst>
+                                  <p:childTnLst>
+                                    <p:set>
+                                      <p:cBhvr>
+                                        <p:cTn id="10" dur="1" fill="hold">
+                                          <p:stCondLst>
+                                            <p:cond delay="0"/>
+                                          </p:stCondLst>
+                                        </p:cTn>
+                                        <p:tgtEl>
+                                          <p:spTgt spid="9"/>
+                                        </p:tgtEl>
+                                        <p:attrNameLst>
+                                          <p:attrName>style.visibility</p:attrName>
+                                        </p:attrNameLst>
+                                      </p:cBhvr>
+                                      <p:to>
+                                        <p:strVal val="visible"/>
+                                      </p:to>
+                                    </p:set>
+                                  </p:childTnLst>
+                                </p:cTn>
+                              </p:par>
+                            </p:childTnLst>
+                          </p:cTn>
+                        </p:par>
+                      </p:childTnLst>
+                    </p:cTn>
+                  </p:par>
+                  <p:par>
+                    <p:cTn id="11" fill="hold">
+                      <p:stCondLst>
+                        <p:cond delay="indefinite"/>
+                      </p:stCondLst>
+                      <p:childTnLst>
+                        <p:par>
+                          <p:cTn id="12" fill="hold">
+                            <p:stCondLst>
+                              <p:cond delay="0"/>
+                            </p:stCondLst>
+                            <p:childTnLst>
+                              <p:par>
+                                <p:cTn id="13" presetID="1" presetClass="entr" presetSubtype="0" fill="hold" nodeType="clickEffect">
+                                  <p:stCondLst>
+                                    <p:cond delay="0"/>
+                                  </p:stCondLst>
+                                  <p:childTnLst>
+                                    <p:set>
+                                      <p:cBhvr>
+                                        <p:cTn id="14" dur="1" fill="hold">
+                                          <p:stCondLst>
+                                            <p:cond delay="0"/>
+                                          </p:stCondLst>
+                                        </p:cTn>
+                                        <p:tgtEl>
+                                          <p:spTgt spid="13"/>
+                                        </p:tgtEl>
+                                        <p:attrNameLst>
+                                          <p:attrName>style.visibility</p:attrName>
+                                        </p:attrNameLst>
+                                      </p:cBhvr>
+                                      <p:to>
+                                        <p:strVal val="visible"/>
+                                      </p:to>
+                                    </p:set>
+                                  </p:childTnLst>
+                                </p:cTn>
+                              </p:par>
+                            </p:childTnLst>
+                          </p:cTn>
+                        </p:par>
+                      </p:childTnLst>
+                    </p:cTn>
+                  </p:par>
+                  <p:par>
+                    <p:cTn id="15" fill="hold">
+                      <p:stCondLst>
+                        <p:cond delay="indefinite"/>
+                      </p:stCondLst>
+                      <p:childTnLst>
+                        <p:par>
+                          <p:cTn id="16" fill="hold">
+                            <p:stCondLst>
+                              <p:cond delay="0"/>
+                            </p:stCondLst>
+                            <p:childTnLst>
+                              <p:par>
+                                <p:cTn id="17" presetID="1" presetClass="entr" presetSubtype="0" fill="hold" grpId="0" nodeType="clickEffect">
+                                  <p:stCondLst>
+                                    <p:cond delay="0"/>
+                                  </p:stCondLst>
+                                  <p:childTnLst>
+                                    <p:set>
+                                      <p:cBhvr>
+                                        <p:cTn id="18" dur="1" fill="hold">
+                                          <p:stCondLst>
+                                            <p:cond delay="0"/>
+                                          </p:stCondLst>
+                                        </p:cTn>
+                                        <p:tgtEl>
+                                          <p:spTgt spid="17"/>
+                                        </p:tgtEl>
+                                        <p:attrNameLst>
+                                          <p:attrName>style.visibility</p:attrName>
+                                        </p:attrNameLst>
+                                      </p:cBhvr>
+                                      <p:to>
+                                        <p:strVal val="visible"/>
+                                      </p:to>
+                                    </p:set>
+                                  </p:childTnLst>
+                                </p:cTn>
+                              </p:par>
+                            </p:childTnLst>
+                          </p:cTn>
+                        </p:par>
+                      </p:childTnLst>
+                    </p:cTn>
+                  </p:par>
+                  <p:par>
+                    <p:cTn id="19" fill="hold">
+                      <p:stCondLst>
+                        <p:cond delay="indefinite"/>
+                      </p:stCondLst>
+                      <p:childTnLst>
+                        <p:par>
+                          <p:cTn id="20" fill="hold">
+                            <p:stCondLst>
+                              <p:cond delay="0"/>
+                            </p:stCondLst>
+                            <p:childTnLst>
+                              <p:par>
+                                <p:cTn id="21" presetID="1" presetClass="entr" presetSubtype="0" fill="hold" nodeType="clickEffect">
+                                  <p:stCondLst>
+                                    <p:cond delay="0"/>
+                                  </p:stCondLst>
+                                  <p:childTnLst>
+                                    <p:set>
+                                      <p:cBhvr>
+                                        <p:cTn id="22" dur="1" fill="hold">
+                                          <p:stCondLst>
+                                            <p:cond delay="0"/>
+                                          </p:stCondLst>
+                                        </p:cTn>
+                                        <p:tgtEl>
+                                          <p:spTgt spid="16"/>
+                                        </p:tgtEl>
+                                        <p:attrNameLst>
+                                          <p:attrName>style.visibility</p:attrName>
+                                        </p:attrNameLst>
+                                      </p:cBhvr>
+                                      <p:to>
+                                        <p:strVal val="visible"/>
+                                      </p:to>
+                                    </p:set>
+                                  </p:childTnLst>
+                                </p:cTn>
+                              </p:par>
+                            </p:childTnLst>
+                          </p:cTn>
+                        </p:par>
+                      </p:childTnLst>
+                    </p:cTn>
+                  </p:par>
+                </p:childTnLst>
+              </p:cTn>
+              <p:prevCondLst>
+                <p:cond evt="onPrev" delay="0">
+                  <p:tgtEl>
+                    <p:sldTgt/>
+                  </p:tgtEl>
+                </p:cond>
+              </p:prevCondLst>
+              <p:nextCondLst>
+                <p:cond evt="onNext" delay="0">
+                  <p:tgtEl>
+                    <p:sldTgt/>
+                  </p:tgtEl>
+                </p:cond>
+              </p:nextCondLst>
+            </p:seq>
+          </p:childTnLst>
+        </p:cTn>
+      </p:par>
+    </p:tnLst>
+    <p:bldLst>
+      <p:bldP spid="7" grpId="0" animBg="1"/>
+      <p:bldP spid="17" grpId="0" animBg="1"/>
+    </p:bldLst>
+  </p:timing>
+</p:sld>
+</file>
+
+<file path=ppt/slides/slide11.xml><?xml version="1.0" encoding="utf-8"?>
+<p:sld xmlns:a="http://schemas.openxmlformats.org/drawingml/2006/main" xmlns:r="http://schemas.openxmlformats.org/officeDocument/2006/relationships" xmlns:p="http://schemas.openxmlformats.org/presentationml/2006/main">
+  <p:cSld>
+    <p:spTree>
+      <p:nvGrpSpPr>
+        <p:cNvPr id="1" name=""/>
+        <p:cNvGrpSpPr/>
+        <p:nvPr/>
+      </p:nvGrpSpPr>
+      <p:grpSpPr>
+        <a:xfrm>
+          <a:off x="0" y="0"/>
+          <a:ext cx="0" cy="0"/>
+          <a:chOff x="0" y="0"/>
+          <a:chExt cx="0" cy="0"/>
+        </a:xfrm>
+      </p:grpSpPr>
+      <p:sp>
+        <p:nvSpPr>
+          <p:cNvPr id="7" name="TextBox 6">
+            <a:extLst>
+              <a:ext uri="{FF2B5EF4-FFF2-40B4-BE49-F238E27FC236}">
+                <a16:creationId xmlns:a16="http://schemas.microsoft.com/office/drawing/2014/main" id="{648EFED8-F9DC-F5D0-BAA4-2A1A0EB41D89}"/>
+              </a:ext>
+            </a:extLst>
+          </p:cNvPr>
+          <p:cNvSpPr txBox="1"/>
+          <p:nvPr/>
+        </p:nvSpPr>
+        <p:spPr>
+          <a:xfrm>
+            <a:off x="430925" y="535292"/>
+            <a:ext cx="6096000" cy="646331"/>
+          </a:xfrm>
+          <a:prstGeom prst="rect">
+            <a:avLst/>
+          </a:prstGeom>
+          <a:noFill/>
+        </p:spPr>
+        <p:txBody>
+          <a:bodyPr wrap="square">
+            <a:spAutoFit/>
+          </a:bodyPr>
+          <a:lstStyle/>
+          <a:p>
             <a:r>
               <a:rPr lang="en-US" sz="3600" dirty="0">
                 <a:solidFill>
                   <a:srgbClr val="FE5722"/>
                 </a:solidFill>
               </a:rPr>
-              <a:t>Technical explanation: Frameworks, libraries, technologies, and algorithms you used to implement your application</a:t>
-            </a:r>
+              <a:t>Recorded demo </a:t>
+            </a:r>
+            <a:endParaRPr lang="en-US" sz="3600" dirty="0"/>
           </a:p>
         </p:txBody>
       </p:sp>
     </p:spTree>
     <p:extLst>
       <p:ext uri="{BB962C8B-B14F-4D97-AF65-F5344CB8AC3E}">
-        <p14:creationId xmlns:p14="http://schemas.microsoft.com/office/powerpoint/2010/main" val="2229175855"/>
+        <p14:creationId xmlns:p14="http://schemas.microsoft.com/office/powerpoint/2010/main" val="1873534557"/>
       </p:ext>
     </p:extLst>
   </p:cSld>
@@ -3454,7 +4055,7 @@
 </p:sld>
 </file>
 
-<file path=ppt/slides/slide11.xml><?xml version="1.0" encoding="utf-8"?>
+<file path=ppt/slides/slide12.xml><?xml version="1.0" encoding="utf-8"?>
 <p:sld xmlns:a="http://schemas.openxmlformats.org/drawingml/2006/main" xmlns:r="http://schemas.openxmlformats.org/officeDocument/2006/relationships" xmlns:p="http://schemas.openxmlformats.org/presentationml/2006/main">
   <p:cSld>
     <p:spTree>
@@ -4093,7 +4694,7 @@
         </p:blipFill>
         <p:spPr>
           <a:xfrm>
-            <a:off x="2322786" y="1644236"/>
+            <a:off x="4739929" y="1050662"/>
             <a:ext cx="2711157" cy="5213764"/>
           </a:xfrm>
           <a:prstGeom prst="rect">
@@ -4140,12 +4741,42 @@
           </a:p>
         </p:txBody>
       </p:sp>
+    </p:spTree>
+    <p:extLst>
+      <p:ext uri="{BB962C8B-B14F-4D97-AF65-F5344CB8AC3E}">
+        <p14:creationId xmlns:p14="http://schemas.microsoft.com/office/powerpoint/2010/main" val="1038761493"/>
+      </p:ext>
+    </p:extLst>
+  </p:cSld>
+  <p:clrMapOvr>
+    <a:masterClrMapping/>
+  </p:clrMapOvr>
+</p:sld>
+</file>
+
+<file path=ppt/slides/slide5.xml><?xml version="1.0" encoding="utf-8"?>
+<p:sld xmlns:a="http://schemas.openxmlformats.org/drawingml/2006/main" xmlns:r="http://schemas.openxmlformats.org/officeDocument/2006/relationships" xmlns:p="http://schemas.openxmlformats.org/presentationml/2006/main">
+  <p:cSld>
+    <p:spTree>
+      <p:nvGrpSpPr>
+        <p:cNvPr id="1" name=""/>
+        <p:cNvGrpSpPr/>
+        <p:nvPr/>
+      </p:nvGrpSpPr>
+      <p:grpSpPr>
+        <a:xfrm>
+          <a:off x="0" y="0"/>
+          <a:ext cx="0" cy="0"/>
+          <a:chOff x="0" y="0"/>
+          <a:chExt cx="0" cy="0"/>
+        </a:xfrm>
+      </p:grpSpPr>
       <p:pic>
         <p:nvPicPr>
-          <p:cNvPr id="8" name="Picture 7">
+          <p:cNvPr id="5" name="Picture 4" descr="Graphical user interface, application&#10;&#10;Description automatically generated">
             <a:extLst>
               <a:ext uri="{FF2B5EF4-FFF2-40B4-BE49-F238E27FC236}">
-                <a16:creationId xmlns:a16="http://schemas.microsoft.com/office/drawing/2014/main" id="{6CA3D976-8404-CCBB-CBB3-41A7A5676EA3}"/>
+                <a16:creationId xmlns:a16="http://schemas.microsoft.com/office/drawing/2014/main" id="{A9B6F520-305A-6228-F072-F86B391CC41C}"/>
               </a:ext>
             </a:extLst>
           </p:cNvPr>
@@ -4155,15 +4786,21 @@
           <p:nvPr/>
         </p:nvPicPr>
         <p:blipFill>
-          <a:blip r:embed="rId3"/>
+          <a:blip r:embed="rId2">
+            <a:extLst>
+              <a:ext uri="{28A0092B-C50C-407E-A947-70E740481C1C}">
+                <a14:useLocalDpi xmlns:a14="http://schemas.microsoft.com/office/drawing/2010/main" val="0"/>
+              </a:ext>
+            </a:extLst>
+          </a:blip>
           <a:stretch>
             <a:fillRect/>
           </a:stretch>
         </p:blipFill>
         <p:spPr>
           <a:xfrm>
-            <a:off x="6590756" y="1644236"/>
-            <a:ext cx="2711157" cy="5213764"/>
+            <a:off x="7270444" y="2582098"/>
+            <a:ext cx="2071318" cy="4259096"/>
           </a:xfrm>
           <a:prstGeom prst="rect">
             <a:avLst/>
@@ -4172,10 +4809,10 @@
       </p:pic>
       <p:pic>
         <p:nvPicPr>
-          <p:cNvPr id="10" name="Picture 9">
+          <p:cNvPr id="3" name="Picture 2" descr="Graphical user interface, application&#10;&#10;Description automatically generated">
             <a:extLst>
               <a:ext uri="{FF2B5EF4-FFF2-40B4-BE49-F238E27FC236}">
-                <a16:creationId xmlns:a16="http://schemas.microsoft.com/office/drawing/2014/main" id="{7182F983-2A0E-36FB-552D-D6AF4D18F48A}"/>
+                <a16:creationId xmlns:a16="http://schemas.microsoft.com/office/drawing/2014/main" id="{604D573A-EC36-A00D-807F-3D01FF99E942}"/>
               </a:ext>
             </a:extLst>
           </p:cNvPr>
@@ -4185,15 +4822,21 @@
           <p:nvPr/>
         </p:nvPicPr>
         <p:blipFill>
-          <a:blip r:embed="rId4"/>
+          <a:blip r:embed="rId3">
+            <a:extLst>
+              <a:ext uri="{28A0092B-C50C-407E-A947-70E740481C1C}">
+                <a14:useLocalDpi xmlns:a14="http://schemas.microsoft.com/office/drawing/2010/main" val="0"/>
+              </a:ext>
+            </a:extLst>
+          </a:blip>
           <a:stretch>
             <a:fillRect/>
           </a:stretch>
         </p:blipFill>
         <p:spPr>
           <a:xfrm>
-            <a:off x="6590756" y="1602106"/>
-            <a:ext cx="2711157" cy="5255894"/>
+            <a:off x="4886175" y="2582098"/>
+            <a:ext cx="2071318" cy="4259097"/>
           </a:xfrm>
           <a:prstGeom prst="rect">
             <a:avLst/>
@@ -4202,10 +4845,171 @@
       </p:pic>
       <p:sp>
         <p:nvSpPr>
-          <p:cNvPr id="11" name="Arrow: Right 10">
+          <p:cNvPr id="7" name="TextBox 6">
             <a:extLst>
               <a:ext uri="{FF2B5EF4-FFF2-40B4-BE49-F238E27FC236}">
-                <a16:creationId xmlns:a16="http://schemas.microsoft.com/office/drawing/2014/main" id="{D5FF1699-74C8-1041-5C48-9C8248F6F21D}"/>
+                <a16:creationId xmlns:a16="http://schemas.microsoft.com/office/drawing/2014/main" id="{BFFF5A1D-FC97-74DC-1843-8EBD2B4B49C2}"/>
+              </a:ext>
+            </a:extLst>
+          </p:cNvPr>
+          <p:cNvSpPr txBox="1"/>
+          <p:nvPr/>
+        </p:nvSpPr>
+        <p:spPr>
+          <a:xfrm>
+            <a:off x="168164" y="1013221"/>
+            <a:ext cx="6096000" cy="3139321"/>
+          </a:xfrm>
+          <a:prstGeom prst="rect">
+            <a:avLst/>
+          </a:prstGeom>
+          <a:noFill/>
+        </p:spPr>
+        <p:txBody>
+          <a:bodyPr wrap="square">
+            <a:spAutoFit/>
+          </a:bodyPr>
+          <a:lstStyle/>
+          <a:p>
+            <a:pPr algn="l">
+              <a:buFont typeface="Arial" panose="020B0604020202020204" pitchFamily="34" charset="0"/>
+              <a:buChar char="•"/>
+            </a:pPr>
+            <a:r>
+              <a:rPr lang="en-US" dirty="0">
+                <a:latin typeface="-apple-system"/>
+              </a:rPr>
+              <a:t>Add new category, give it a name, </a:t>
+            </a:r>
+            <a:r>
+              <a:rPr lang="en-US" b="0" i="0" dirty="0">
+                <a:effectLst/>
+                <a:latin typeface="-apple-system"/>
+              </a:rPr>
+              <a:t>description and image.</a:t>
+            </a:r>
+            <a:br>
+              <a:rPr lang="en-US" b="0" i="0" dirty="0">
+                <a:effectLst/>
+                <a:latin typeface="-apple-system"/>
+              </a:rPr>
+            </a:br>
+            <a:endParaRPr lang="en-US" b="0" i="0" dirty="0">
+              <a:effectLst/>
+              <a:latin typeface="-apple-system"/>
+            </a:endParaRPr>
+          </a:p>
+          <a:p>
+            <a:pPr algn="l">
+              <a:buFont typeface="Arial" panose="020B0604020202020204" pitchFamily="34" charset="0"/>
+              <a:buChar char="•"/>
+            </a:pPr>
+            <a:r>
+              <a:rPr lang="en-US" b="0" i="0" dirty="0">
+                <a:effectLst/>
+                <a:latin typeface="-apple-system"/>
+              </a:rPr>
+              <a:t>Make a category private or public and associate it with tags.</a:t>
+            </a:r>
+          </a:p>
+          <a:p>
+            <a:pPr>
+              <a:buFont typeface="Arial" panose="020B0604020202020204" pitchFamily="34" charset="0"/>
+              <a:buChar char="•"/>
+            </a:pPr>
+            <a:endParaRPr lang="en-US" dirty="0">
+              <a:latin typeface="-apple-system"/>
+            </a:endParaRPr>
+          </a:p>
+          <a:p>
+            <a:pPr>
+              <a:buFont typeface="Arial" panose="020B0604020202020204" pitchFamily="34" charset="0"/>
+              <a:buChar char="•"/>
+            </a:pPr>
+            <a:r>
+              <a:rPr lang="en-US" b="0" i="0" dirty="0">
+                <a:effectLst/>
+                <a:latin typeface="-apple-system"/>
+              </a:rPr>
+              <a:t>Sort categories manually by dragging an item.</a:t>
+            </a:r>
+            <a:br>
+              <a:rPr lang="en-US" b="0" i="0" dirty="0">
+                <a:effectLst/>
+                <a:latin typeface="-apple-system"/>
+              </a:rPr>
+            </a:br>
+            <a:endParaRPr lang="en-US" b="0" i="0" dirty="0">
+              <a:effectLst/>
+              <a:latin typeface="-apple-system"/>
+            </a:endParaRPr>
+          </a:p>
+          <a:p>
+            <a:pPr>
+              <a:buFont typeface="Arial" panose="020B0604020202020204" pitchFamily="34" charset="0"/>
+              <a:buChar char="•"/>
+            </a:pPr>
+            <a:r>
+              <a:rPr lang="en-US" dirty="0">
+                <a:latin typeface="-apple-system"/>
+              </a:rPr>
+              <a:t>Remove a category </a:t>
+            </a:r>
+          </a:p>
+          <a:p>
+            <a:pPr>
+              <a:buFont typeface="Arial" panose="020B0604020202020204" pitchFamily="34" charset="0"/>
+              <a:buChar char="•"/>
+            </a:pPr>
+            <a:endParaRPr lang="en-US" dirty="0">
+              <a:latin typeface="-apple-system"/>
+            </a:endParaRPr>
+          </a:p>
+          <a:p>
+            <a:pPr>
+              <a:buFont typeface="Arial" panose="020B0604020202020204" pitchFamily="34" charset="0"/>
+              <a:buChar char="•"/>
+            </a:pPr>
+            <a:r>
+              <a:rPr lang="en-US" dirty="0">
+                <a:latin typeface="-apple-system"/>
+              </a:rPr>
+              <a:t>Change category’s name, description, image </a:t>
+            </a:r>
+            <a:br>
+              <a:rPr lang="en-US" dirty="0">
+                <a:latin typeface="-apple-system"/>
+              </a:rPr>
+            </a:br>
+            <a:r>
+              <a:rPr lang="en-US" dirty="0" err="1">
+                <a:latin typeface="-apple-system"/>
+              </a:rPr>
+              <a:t>ot</a:t>
+            </a:r>
+            <a:r>
+              <a:rPr lang="en-US" dirty="0">
+                <a:latin typeface="-apple-system"/>
+              </a:rPr>
+              <a:t> it’s tag.</a:t>
+            </a:r>
+            <a:br>
+              <a:rPr lang="en-US" dirty="0">
+                <a:latin typeface="-apple-system"/>
+              </a:rPr>
+            </a:br>
+            <a:endParaRPr lang="en-US" dirty="0">
+              <a:latin typeface="-apple-system"/>
+            </a:endParaRPr>
+          </a:p>
+        </p:txBody>
+      </p:sp>
+      <p:sp>
+        <p:nvSpPr>
+          <p:cNvPr id="14" name="Arrow: Right 13">
+            <a:extLst>
+              <a:ext uri="{FF2B5EF4-FFF2-40B4-BE49-F238E27FC236}">
+                <a16:creationId xmlns:a16="http://schemas.microsoft.com/office/drawing/2014/main" id="{72B19380-4FFE-B201-52D5-C347A3C1F51E}"/>
               </a:ext>
             </a:extLst>
           </p:cNvPr>
@@ -4213,8 +5017,8 @@
           <p:nvPr/>
         </p:nvSpPr>
         <p:spPr>
-          <a:xfrm rot="8716375">
-            <a:off x="4355277" y="6155704"/>
+          <a:xfrm rot="5400000">
+            <a:off x="6508864" y="5425745"/>
             <a:ext cx="501868" cy="210207"/>
           </a:xfrm>
           <a:prstGeom prst="rightArrow">
@@ -4256,878 +5060,6 @@
       </p:sp>
       <p:sp>
         <p:nvSpPr>
-          <p:cNvPr id="12" name="Arrow: Right 11">
-            <a:extLst>
-              <a:ext uri="{FF2B5EF4-FFF2-40B4-BE49-F238E27FC236}">
-                <a16:creationId xmlns:a16="http://schemas.microsoft.com/office/drawing/2014/main" id="{D801BB7D-36F6-A550-9A67-AD5419C2C6D5}"/>
-              </a:ext>
-            </a:extLst>
-          </p:cNvPr>
-          <p:cNvSpPr/>
-          <p:nvPr/>
-        </p:nvSpPr>
-        <p:spPr>
-          <a:xfrm rot="8716375">
-            <a:off x="4520274" y="4933777"/>
-            <a:ext cx="501868" cy="210207"/>
-          </a:xfrm>
-          <a:prstGeom prst="rightArrow">
-            <a:avLst/>
-          </a:prstGeom>
-          <a:solidFill>
-            <a:schemeClr val="tx1"/>
-          </a:solidFill>
-          <a:ln>
-            <a:solidFill>
-              <a:schemeClr val="tx1"/>
-            </a:solidFill>
-          </a:ln>
-        </p:spPr>
-        <p:style>
-          <a:lnRef idx="2">
-            <a:schemeClr val="accent1">
-              <a:shade val="50000"/>
-            </a:schemeClr>
-          </a:lnRef>
-          <a:fillRef idx="1">
-            <a:schemeClr val="accent1"/>
-          </a:fillRef>
-          <a:effectRef idx="0">
-            <a:schemeClr val="accent1"/>
-          </a:effectRef>
-          <a:fontRef idx="minor">
-            <a:schemeClr val="lt1"/>
-          </a:fontRef>
-        </p:style>
-        <p:txBody>
-          <a:bodyPr rtlCol="0" anchor="ctr"/>
-          <a:lstStyle/>
-          <a:p>
-            <a:pPr algn="ctr"/>
-            <a:endParaRPr lang="en-US"/>
-          </a:p>
-        </p:txBody>
-      </p:sp>
-      <p:pic>
-        <p:nvPicPr>
-          <p:cNvPr id="14" name="Picture 13">
-            <a:extLst>
-              <a:ext uri="{FF2B5EF4-FFF2-40B4-BE49-F238E27FC236}">
-                <a16:creationId xmlns:a16="http://schemas.microsoft.com/office/drawing/2014/main" id="{A34836C0-AD8A-A1F7-A847-02E5B78F3DE7}"/>
-              </a:ext>
-            </a:extLst>
-          </p:cNvPr>
-          <p:cNvPicPr>
-            <a:picLocks noChangeAspect="1"/>
-          </p:cNvPicPr>
-          <p:nvPr/>
-        </p:nvPicPr>
-        <p:blipFill>
-          <a:blip r:embed="rId5"/>
-          <a:stretch>
-            <a:fillRect/>
-          </a:stretch>
-        </p:blipFill>
-        <p:spPr>
-          <a:xfrm>
-            <a:off x="6587380" y="1508129"/>
-            <a:ext cx="2753771" cy="5289107"/>
-          </a:xfrm>
-          <a:prstGeom prst="rect">
-            <a:avLst/>
-          </a:prstGeom>
-        </p:spPr>
-      </p:pic>
-      <p:sp>
-        <p:nvSpPr>
-          <p:cNvPr id="15" name="Arrow: Right 14">
-            <a:extLst>
-              <a:ext uri="{FF2B5EF4-FFF2-40B4-BE49-F238E27FC236}">
-                <a16:creationId xmlns:a16="http://schemas.microsoft.com/office/drawing/2014/main" id="{7698374F-A611-7E39-7B21-5DCA0280E20E}"/>
-              </a:ext>
-            </a:extLst>
-          </p:cNvPr>
-          <p:cNvSpPr/>
-          <p:nvPr/>
-        </p:nvSpPr>
-        <p:spPr>
-          <a:xfrm rot="8716375">
-            <a:off x="3144521" y="4704445"/>
-            <a:ext cx="501868" cy="210207"/>
-          </a:xfrm>
-          <a:prstGeom prst="rightArrow">
-            <a:avLst/>
-          </a:prstGeom>
-          <a:solidFill>
-            <a:schemeClr val="tx1"/>
-          </a:solidFill>
-          <a:ln>
-            <a:solidFill>
-              <a:schemeClr val="tx1"/>
-            </a:solidFill>
-          </a:ln>
-        </p:spPr>
-        <p:style>
-          <a:lnRef idx="2">
-            <a:schemeClr val="accent1">
-              <a:shade val="50000"/>
-            </a:schemeClr>
-          </a:lnRef>
-          <a:fillRef idx="1">
-            <a:schemeClr val="accent1"/>
-          </a:fillRef>
-          <a:effectRef idx="0">
-            <a:schemeClr val="accent1"/>
-          </a:effectRef>
-          <a:fontRef idx="minor">
-            <a:schemeClr val="lt1"/>
-          </a:fontRef>
-        </p:style>
-        <p:txBody>
-          <a:bodyPr rtlCol="0" anchor="ctr"/>
-          <a:lstStyle/>
-          <a:p>
-            <a:pPr algn="ctr"/>
-            <a:endParaRPr lang="en-US"/>
-          </a:p>
-        </p:txBody>
-      </p:sp>
-    </p:spTree>
-    <p:extLst>
-      <p:ext uri="{BB962C8B-B14F-4D97-AF65-F5344CB8AC3E}">
-        <p14:creationId xmlns:p14="http://schemas.microsoft.com/office/powerpoint/2010/main" val="1038761493"/>
-      </p:ext>
-    </p:extLst>
-  </p:cSld>
-  <p:clrMapOvr>
-    <a:masterClrMapping/>
-  </p:clrMapOvr>
-  <p:timing>
-    <p:tnLst>
-      <p:par>
-        <p:cTn id="1" dur="indefinite" restart="never" nodeType="tmRoot">
-          <p:childTnLst>
-            <p:seq concurrent="1" nextAc="seek">
-              <p:cTn id="2" dur="indefinite" nodeType="mainSeq">
-                <p:childTnLst>
-                  <p:par>
-                    <p:cTn id="3" fill="hold">
-                      <p:stCondLst>
-                        <p:cond delay="indefinite"/>
-                      </p:stCondLst>
-                      <p:childTnLst>
-                        <p:par>
-                          <p:cTn id="4" fill="hold">
-                            <p:stCondLst>
-                              <p:cond delay="0"/>
-                            </p:stCondLst>
-                            <p:childTnLst>
-                              <p:par>
-                                <p:cTn id="5" presetID="2" presetClass="entr" presetSubtype="4" fill="hold" grpId="0" nodeType="clickEffect">
-                                  <p:stCondLst>
-                                    <p:cond delay="0"/>
-                                  </p:stCondLst>
-                                  <p:childTnLst>
-                                    <p:set>
-                                      <p:cBhvr>
-                                        <p:cTn id="6" dur="1" fill="hold">
-                                          <p:stCondLst>
-                                            <p:cond delay="0"/>
-                                          </p:stCondLst>
-                                        </p:cTn>
-                                        <p:tgtEl>
-                                          <p:spTgt spid="11"/>
-                                        </p:tgtEl>
-                                        <p:attrNameLst>
-                                          <p:attrName>style.visibility</p:attrName>
-                                        </p:attrNameLst>
-                                      </p:cBhvr>
-                                      <p:to>
-                                        <p:strVal val="visible"/>
-                                      </p:to>
-                                    </p:set>
-                                    <p:anim calcmode="lin" valueType="num">
-                                      <p:cBhvr additive="base">
-                                        <p:cTn id="7" dur="500" fill="hold"/>
-                                        <p:tgtEl>
-                                          <p:spTgt spid="11"/>
-                                        </p:tgtEl>
-                                        <p:attrNameLst>
-                                          <p:attrName>ppt_x</p:attrName>
-                                        </p:attrNameLst>
-                                      </p:cBhvr>
-                                      <p:tavLst>
-                                        <p:tav tm="0">
-                                          <p:val>
-                                            <p:strVal val="#ppt_x"/>
-                                          </p:val>
-                                        </p:tav>
-                                        <p:tav tm="100000">
-                                          <p:val>
-                                            <p:strVal val="#ppt_x"/>
-                                          </p:val>
-                                        </p:tav>
-                                      </p:tavLst>
-                                    </p:anim>
-                                    <p:anim calcmode="lin" valueType="num">
-                                      <p:cBhvr additive="base">
-                                        <p:cTn id="8" dur="500" fill="hold"/>
-                                        <p:tgtEl>
-                                          <p:spTgt spid="11"/>
-                                        </p:tgtEl>
-                                        <p:attrNameLst>
-                                          <p:attrName>ppt_y</p:attrName>
-                                        </p:attrNameLst>
-                                      </p:cBhvr>
-                                      <p:tavLst>
-                                        <p:tav tm="0">
-                                          <p:val>
-                                            <p:strVal val="1+#ppt_h/2"/>
-                                          </p:val>
-                                        </p:tav>
-                                        <p:tav tm="100000">
-                                          <p:val>
-                                            <p:strVal val="#ppt_y"/>
-                                          </p:val>
-                                        </p:tav>
-                                      </p:tavLst>
-                                    </p:anim>
-                                  </p:childTnLst>
-                                </p:cTn>
-                              </p:par>
-                            </p:childTnLst>
-                          </p:cTn>
-                        </p:par>
-                      </p:childTnLst>
-                    </p:cTn>
-                  </p:par>
-                  <p:par>
-                    <p:cTn id="9" fill="hold">
-                      <p:stCondLst>
-                        <p:cond delay="indefinite"/>
-                      </p:stCondLst>
-                      <p:childTnLst>
-                        <p:par>
-                          <p:cTn id="10" fill="hold">
-                            <p:stCondLst>
-                              <p:cond delay="0"/>
-                            </p:stCondLst>
-                            <p:childTnLst>
-                              <p:par>
-                                <p:cTn id="11" presetID="10" presetClass="entr" presetSubtype="0" fill="hold" nodeType="clickEffect">
-                                  <p:stCondLst>
-                                    <p:cond delay="0"/>
-                                  </p:stCondLst>
-                                  <p:childTnLst>
-                                    <p:set>
-                                      <p:cBhvr>
-                                        <p:cTn id="12" dur="1" fill="hold">
-                                          <p:stCondLst>
-                                            <p:cond delay="0"/>
-                                          </p:stCondLst>
-                                        </p:cTn>
-                                        <p:tgtEl>
-                                          <p:spTgt spid="8"/>
-                                        </p:tgtEl>
-                                        <p:attrNameLst>
-                                          <p:attrName>style.visibility</p:attrName>
-                                        </p:attrNameLst>
-                                      </p:cBhvr>
-                                      <p:to>
-                                        <p:strVal val="visible"/>
-                                      </p:to>
-                                    </p:set>
-                                    <p:animEffect transition="in" filter="fade">
-                                      <p:cBhvr>
-                                        <p:cTn id="13" dur="500"/>
-                                        <p:tgtEl>
-                                          <p:spTgt spid="8"/>
-                                        </p:tgtEl>
-                                      </p:cBhvr>
-                                    </p:animEffect>
-                                  </p:childTnLst>
-                                </p:cTn>
-                              </p:par>
-                            </p:childTnLst>
-                          </p:cTn>
-                        </p:par>
-                      </p:childTnLst>
-                    </p:cTn>
-                  </p:par>
-                  <p:par>
-                    <p:cTn id="14" fill="hold">
-                      <p:stCondLst>
-                        <p:cond delay="indefinite"/>
-                      </p:stCondLst>
-                      <p:childTnLst>
-                        <p:par>
-                          <p:cTn id="15" fill="hold">
-                            <p:stCondLst>
-                              <p:cond delay="0"/>
-                            </p:stCondLst>
-                            <p:childTnLst>
-                              <p:par>
-                                <p:cTn id="16" presetID="2" presetClass="entr" presetSubtype="4" fill="hold" grpId="0" nodeType="clickEffect">
-                                  <p:stCondLst>
-                                    <p:cond delay="0"/>
-                                  </p:stCondLst>
-                                  <p:childTnLst>
-                                    <p:set>
-                                      <p:cBhvr>
-                                        <p:cTn id="17" dur="1" fill="hold">
-                                          <p:stCondLst>
-                                            <p:cond delay="0"/>
-                                          </p:stCondLst>
-                                        </p:cTn>
-                                        <p:tgtEl>
-                                          <p:spTgt spid="12"/>
-                                        </p:tgtEl>
-                                        <p:attrNameLst>
-                                          <p:attrName>style.visibility</p:attrName>
-                                        </p:attrNameLst>
-                                      </p:cBhvr>
-                                      <p:to>
-                                        <p:strVal val="visible"/>
-                                      </p:to>
-                                    </p:set>
-                                    <p:anim calcmode="lin" valueType="num">
-                                      <p:cBhvr additive="base">
-                                        <p:cTn id="18" dur="500" fill="hold"/>
-                                        <p:tgtEl>
-                                          <p:spTgt spid="12"/>
-                                        </p:tgtEl>
-                                        <p:attrNameLst>
-                                          <p:attrName>ppt_x</p:attrName>
-                                        </p:attrNameLst>
-                                      </p:cBhvr>
-                                      <p:tavLst>
-                                        <p:tav tm="0">
-                                          <p:val>
-                                            <p:strVal val="#ppt_x"/>
-                                          </p:val>
-                                        </p:tav>
-                                        <p:tav tm="100000">
-                                          <p:val>
-                                            <p:strVal val="#ppt_x"/>
-                                          </p:val>
-                                        </p:tav>
-                                      </p:tavLst>
-                                    </p:anim>
-                                    <p:anim calcmode="lin" valueType="num">
-                                      <p:cBhvr additive="base">
-                                        <p:cTn id="19" dur="500" fill="hold"/>
-                                        <p:tgtEl>
-                                          <p:spTgt spid="12"/>
-                                        </p:tgtEl>
-                                        <p:attrNameLst>
-                                          <p:attrName>ppt_y</p:attrName>
-                                        </p:attrNameLst>
-                                      </p:cBhvr>
-                                      <p:tavLst>
-                                        <p:tav tm="0">
-                                          <p:val>
-                                            <p:strVal val="1+#ppt_h/2"/>
-                                          </p:val>
-                                        </p:tav>
-                                        <p:tav tm="100000">
-                                          <p:val>
-                                            <p:strVal val="#ppt_y"/>
-                                          </p:val>
-                                        </p:tav>
-                                      </p:tavLst>
-                                    </p:anim>
-                                  </p:childTnLst>
-                                </p:cTn>
-                              </p:par>
-                            </p:childTnLst>
-                          </p:cTn>
-                        </p:par>
-                      </p:childTnLst>
-                    </p:cTn>
-                  </p:par>
-                  <p:par>
-                    <p:cTn id="20" fill="hold">
-                      <p:stCondLst>
-                        <p:cond delay="indefinite"/>
-                      </p:stCondLst>
-                      <p:childTnLst>
-                        <p:par>
-                          <p:cTn id="21" fill="hold">
-                            <p:stCondLst>
-                              <p:cond delay="0"/>
-                            </p:stCondLst>
-                            <p:childTnLst>
-                              <p:par>
-                                <p:cTn id="22" presetID="10" presetClass="entr" presetSubtype="0" fill="hold" nodeType="clickEffect">
-                                  <p:stCondLst>
-                                    <p:cond delay="0"/>
-                                  </p:stCondLst>
-                                  <p:childTnLst>
-                                    <p:set>
-                                      <p:cBhvr>
-                                        <p:cTn id="23" dur="1" fill="hold">
-                                          <p:stCondLst>
-                                            <p:cond delay="0"/>
-                                          </p:stCondLst>
-                                        </p:cTn>
-                                        <p:tgtEl>
-                                          <p:spTgt spid="10"/>
-                                        </p:tgtEl>
-                                        <p:attrNameLst>
-                                          <p:attrName>style.visibility</p:attrName>
-                                        </p:attrNameLst>
-                                      </p:cBhvr>
-                                      <p:to>
-                                        <p:strVal val="visible"/>
-                                      </p:to>
-                                    </p:set>
-                                    <p:animEffect transition="in" filter="fade">
-                                      <p:cBhvr>
-                                        <p:cTn id="24" dur="500"/>
-                                        <p:tgtEl>
-                                          <p:spTgt spid="10"/>
-                                        </p:tgtEl>
-                                      </p:cBhvr>
-                                    </p:animEffect>
-                                  </p:childTnLst>
-                                </p:cTn>
-                              </p:par>
-                            </p:childTnLst>
-                          </p:cTn>
-                        </p:par>
-                      </p:childTnLst>
-                    </p:cTn>
-                  </p:par>
-                  <p:par>
-                    <p:cTn id="25" fill="hold">
-                      <p:stCondLst>
-                        <p:cond delay="indefinite"/>
-                      </p:stCondLst>
-                      <p:childTnLst>
-                        <p:par>
-                          <p:cTn id="26" fill="hold">
-                            <p:stCondLst>
-                              <p:cond delay="0"/>
-                            </p:stCondLst>
-                            <p:childTnLst>
-                              <p:par>
-                                <p:cTn id="27" presetID="2" presetClass="entr" presetSubtype="4" fill="hold" grpId="0" nodeType="clickEffect">
-                                  <p:stCondLst>
-                                    <p:cond delay="0"/>
-                                  </p:stCondLst>
-                                  <p:childTnLst>
-                                    <p:set>
-                                      <p:cBhvr>
-                                        <p:cTn id="28" dur="1" fill="hold">
-                                          <p:stCondLst>
-                                            <p:cond delay="0"/>
-                                          </p:stCondLst>
-                                        </p:cTn>
-                                        <p:tgtEl>
-                                          <p:spTgt spid="15"/>
-                                        </p:tgtEl>
-                                        <p:attrNameLst>
-                                          <p:attrName>style.visibility</p:attrName>
-                                        </p:attrNameLst>
-                                      </p:cBhvr>
-                                      <p:to>
-                                        <p:strVal val="visible"/>
-                                      </p:to>
-                                    </p:set>
-                                    <p:anim calcmode="lin" valueType="num">
-                                      <p:cBhvr additive="base">
-                                        <p:cTn id="29" dur="500" fill="hold"/>
-                                        <p:tgtEl>
-                                          <p:spTgt spid="15"/>
-                                        </p:tgtEl>
-                                        <p:attrNameLst>
-                                          <p:attrName>ppt_x</p:attrName>
-                                        </p:attrNameLst>
-                                      </p:cBhvr>
-                                      <p:tavLst>
-                                        <p:tav tm="0">
-                                          <p:val>
-                                            <p:strVal val="#ppt_x"/>
-                                          </p:val>
-                                        </p:tav>
-                                        <p:tav tm="100000">
-                                          <p:val>
-                                            <p:strVal val="#ppt_x"/>
-                                          </p:val>
-                                        </p:tav>
-                                      </p:tavLst>
-                                    </p:anim>
-                                    <p:anim calcmode="lin" valueType="num">
-                                      <p:cBhvr additive="base">
-                                        <p:cTn id="30" dur="500" fill="hold"/>
-                                        <p:tgtEl>
-                                          <p:spTgt spid="15"/>
-                                        </p:tgtEl>
-                                        <p:attrNameLst>
-                                          <p:attrName>ppt_y</p:attrName>
-                                        </p:attrNameLst>
-                                      </p:cBhvr>
-                                      <p:tavLst>
-                                        <p:tav tm="0">
-                                          <p:val>
-                                            <p:strVal val="1+#ppt_h/2"/>
-                                          </p:val>
-                                        </p:tav>
-                                        <p:tav tm="100000">
-                                          <p:val>
-                                            <p:strVal val="#ppt_y"/>
-                                          </p:val>
-                                        </p:tav>
-                                      </p:tavLst>
-                                    </p:anim>
-                                  </p:childTnLst>
-                                </p:cTn>
-                              </p:par>
-                            </p:childTnLst>
-                          </p:cTn>
-                        </p:par>
-                      </p:childTnLst>
-                    </p:cTn>
-                  </p:par>
-                  <p:par>
-                    <p:cTn id="31" fill="hold">
-                      <p:stCondLst>
-                        <p:cond delay="indefinite"/>
-                      </p:stCondLst>
-                      <p:childTnLst>
-                        <p:par>
-                          <p:cTn id="32" fill="hold">
-                            <p:stCondLst>
-                              <p:cond delay="0"/>
-                            </p:stCondLst>
-                            <p:childTnLst>
-                              <p:par>
-                                <p:cTn id="33" presetID="10" presetClass="entr" presetSubtype="0" fill="hold" nodeType="clickEffect">
-                                  <p:stCondLst>
-                                    <p:cond delay="0"/>
-                                  </p:stCondLst>
-                                  <p:childTnLst>
-                                    <p:set>
-                                      <p:cBhvr>
-                                        <p:cTn id="34" dur="1" fill="hold">
-                                          <p:stCondLst>
-                                            <p:cond delay="0"/>
-                                          </p:stCondLst>
-                                        </p:cTn>
-                                        <p:tgtEl>
-                                          <p:spTgt spid="14"/>
-                                        </p:tgtEl>
-                                        <p:attrNameLst>
-                                          <p:attrName>style.visibility</p:attrName>
-                                        </p:attrNameLst>
-                                      </p:cBhvr>
-                                      <p:to>
-                                        <p:strVal val="visible"/>
-                                      </p:to>
-                                    </p:set>
-                                    <p:animEffect transition="in" filter="fade">
-                                      <p:cBhvr>
-                                        <p:cTn id="35" dur="500"/>
-                                        <p:tgtEl>
-                                          <p:spTgt spid="14"/>
-                                        </p:tgtEl>
-                                      </p:cBhvr>
-                                    </p:animEffect>
-                                  </p:childTnLst>
-                                </p:cTn>
-                              </p:par>
-                            </p:childTnLst>
-                          </p:cTn>
-                        </p:par>
-                      </p:childTnLst>
-                    </p:cTn>
-                  </p:par>
-                </p:childTnLst>
-              </p:cTn>
-              <p:prevCondLst>
-                <p:cond evt="onPrev" delay="0">
-                  <p:tgtEl>
-                    <p:sldTgt/>
-                  </p:tgtEl>
-                </p:cond>
-              </p:prevCondLst>
-              <p:nextCondLst>
-                <p:cond evt="onNext" delay="0">
-                  <p:tgtEl>
-                    <p:sldTgt/>
-                  </p:tgtEl>
-                </p:cond>
-              </p:nextCondLst>
-            </p:seq>
-          </p:childTnLst>
-        </p:cTn>
-      </p:par>
-    </p:tnLst>
-    <p:bldLst>
-      <p:bldP spid="11" grpId="0" animBg="1"/>
-      <p:bldP spid="12" grpId="0" animBg="1"/>
-      <p:bldP spid="15" grpId="0" animBg="1"/>
-    </p:bldLst>
-  </p:timing>
-</p:sld>
-</file>
-
-<file path=ppt/slides/slide5.xml><?xml version="1.0" encoding="utf-8"?>
-<p:sld xmlns:a="http://schemas.openxmlformats.org/drawingml/2006/main" xmlns:r="http://schemas.openxmlformats.org/officeDocument/2006/relationships" xmlns:p="http://schemas.openxmlformats.org/presentationml/2006/main">
-  <p:cSld>
-    <p:spTree>
-      <p:nvGrpSpPr>
-        <p:cNvPr id="1" name=""/>
-        <p:cNvGrpSpPr/>
-        <p:nvPr/>
-      </p:nvGrpSpPr>
-      <p:grpSpPr>
-        <a:xfrm>
-          <a:off x="0" y="0"/>
-          <a:ext cx="0" cy="0"/>
-          <a:chOff x="0" y="0"/>
-          <a:chExt cx="0" cy="0"/>
-        </a:xfrm>
-      </p:grpSpPr>
-      <p:sp>
-        <p:nvSpPr>
-          <p:cNvPr id="7" name="TextBox 6">
-            <a:extLst>
-              <a:ext uri="{FF2B5EF4-FFF2-40B4-BE49-F238E27FC236}">
-                <a16:creationId xmlns:a16="http://schemas.microsoft.com/office/drawing/2014/main" id="{BFFF5A1D-FC97-74DC-1843-8EBD2B4B49C2}"/>
-              </a:ext>
-            </a:extLst>
-          </p:cNvPr>
-          <p:cNvSpPr txBox="1"/>
-          <p:nvPr/>
-        </p:nvSpPr>
-        <p:spPr>
-          <a:xfrm>
-            <a:off x="168164" y="1013221"/>
-            <a:ext cx="6096000" cy="2308324"/>
-          </a:xfrm>
-          <a:prstGeom prst="rect">
-            <a:avLst/>
-          </a:prstGeom>
-          <a:noFill/>
-        </p:spPr>
-        <p:txBody>
-          <a:bodyPr wrap="square">
-            <a:spAutoFit/>
-          </a:bodyPr>
-          <a:lstStyle/>
-          <a:p>
-            <a:pPr algn="l">
-              <a:buFont typeface="Arial" panose="020B0604020202020204" pitchFamily="34" charset="0"/>
-              <a:buChar char="•"/>
-            </a:pPr>
-            <a:r>
-              <a:rPr lang="en-US" dirty="0">
-                <a:latin typeface="-apple-system"/>
-              </a:rPr>
-              <a:t>Add new category, give it a name, </a:t>
-            </a:r>
-            <a:r>
-              <a:rPr lang="en-US" b="0" i="0" dirty="0">
-                <a:effectLst/>
-                <a:latin typeface="-apple-system"/>
-              </a:rPr>
-              <a:t>description and image.</a:t>
-            </a:r>
-            <a:br>
-              <a:rPr lang="en-US" b="0" i="0" dirty="0">
-                <a:effectLst/>
-                <a:latin typeface="-apple-system"/>
-              </a:rPr>
-            </a:br>
-            <a:endParaRPr lang="en-US" b="0" i="0" dirty="0">
-              <a:effectLst/>
-              <a:latin typeface="-apple-system"/>
-            </a:endParaRPr>
-          </a:p>
-          <a:p>
-            <a:pPr algn="l">
-              <a:buFont typeface="Arial" panose="020B0604020202020204" pitchFamily="34" charset="0"/>
-              <a:buChar char="•"/>
-            </a:pPr>
-            <a:r>
-              <a:rPr lang="en-US" b="0" i="0" dirty="0">
-                <a:effectLst/>
-                <a:latin typeface="-apple-system"/>
-              </a:rPr>
-              <a:t>Make a category private or public and associate it with tags.</a:t>
-            </a:r>
-          </a:p>
-          <a:p>
-            <a:pPr>
-              <a:buFont typeface="Arial" panose="020B0604020202020204" pitchFamily="34" charset="0"/>
-              <a:buChar char="•"/>
-            </a:pPr>
-            <a:endParaRPr lang="en-US" dirty="0">
-              <a:latin typeface="-apple-system"/>
-            </a:endParaRPr>
-          </a:p>
-          <a:p>
-            <a:pPr>
-              <a:buFont typeface="Arial" panose="020B0604020202020204" pitchFamily="34" charset="0"/>
-              <a:buChar char="•"/>
-            </a:pPr>
-            <a:r>
-              <a:rPr lang="en-US" b="0" i="0" dirty="0">
-                <a:effectLst/>
-                <a:latin typeface="-apple-system"/>
-              </a:rPr>
-              <a:t>Sort categories manually by dragging an item.</a:t>
-            </a:r>
-            <a:br>
-              <a:rPr lang="en-US" b="0" i="0" dirty="0">
-                <a:effectLst/>
-                <a:latin typeface="-apple-system"/>
-              </a:rPr>
-            </a:br>
-            <a:endParaRPr lang="en-US" b="0" i="0" dirty="0">
-              <a:effectLst/>
-              <a:latin typeface="-apple-system"/>
-            </a:endParaRPr>
-          </a:p>
-          <a:p>
-            <a:pPr>
-              <a:buFont typeface="Arial" panose="020B0604020202020204" pitchFamily="34" charset="0"/>
-              <a:buChar char="•"/>
-            </a:pPr>
-            <a:r>
-              <a:rPr lang="en-US" dirty="0">
-                <a:latin typeface="-apple-system"/>
-              </a:rPr>
-              <a:t>Remove a category.</a:t>
-            </a:r>
-            <a:br>
-              <a:rPr lang="en-US" dirty="0">
-                <a:latin typeface="-apple-system"/>
-              </a:rPr>
-            </a:br>
-            <a:endParaRPr lang="en-US" dirty="0">
-              <a:latin typeface="-apple-system"/>
-            </a:endParaRPr>
-          </a:p>
-        </p:txBody>
-      </p:sp>
-      <p:pic>
-        <p:nvPicPr>
-          <p:cNvPr id="6" name="Picture 5">
-            <a:extLst>
-              <a:ext uri="{FF2B5EF4-FFF2-40B4-BE49-F238E27FC236}">
-                <a16:creationId xmlns:a16="http://schemas.microsoft.com/office/drawing/2014/main" id="{A2238CA8-B160-AAA6-595E-28A915AF5151}"/>
-              </a:ext>
-            </a:extLst>
-          </p:cNvPr>
-          <p:cNvPicPr>
-            <a:picLocks noChangeAspect="1"/>
-          </p:cNvPicPr>
-          <p:nvPr/>
-        </p:nvPicPr>
-        <p:blipFill>
-          <a:blip r:embed="rId2"/>
-          <a:stretch>
-            <a:fillRect/>
-          </a:stretch>
-        </p:blipFill>
-        <p:spPr>
-          <a:xfrm>
-            <a:off x="4666549" y="2615707"/>
-            <a:ext cx="2180897" cy="4225488"/>
-          </a:xfrm>
-          <a:prstGeom prst="rect">
-            <a:avLst/>
-          </a:prstGeom>
-        </p:spPr>
-      </p:pic>
-      <p:sp>
-        <p:nvSpPr>
-          <p:cNvPr id="14" name="Arrow: Right 13">
-            <a:extLst>
-              <a:ext uri="{FF2B5EF4-FFF2-40B4-BE49-F238E27FC236}">
-                <a16:creationId xmlns:a16="http://schemas.microsoft.com/office/drawing/2014/main" id="{72B19380-4FFE-B201-52D5-C347A3C1F51E}"/>
-              </a:ext>
-            </a:extLst>
-          </p:cNvPr>
-          <p:cNvSpPr/>
-          <p:nvPr/>
-        </p:nvSpPr>
-        <p:spPr>
-          <a:xfrm rot="5400000">
-            <a:off x="6342746" y="5621738"/>
-            <a:ext cx="501868" cy="210207"/>
-          </a:xfrm>
-          <a:prstGeom prst="rightArrow">
-            <a:avLst/>
-          </a:prstGeom>
-          <a:solidFill>
-            <a:schemeClr val="tx1"/>
-          </a:solidFill>
-          <a:ln>
-            <a:solidFill>
-              <a:schemeClr val="tx1"/>
-            </a:solidFill>
-          </a:ln>
-        </p:spPr>
-        <p:style>
-          <a:lnRef idx="2">
-            <a:schemeClr val="accent1">
-              <a:shade val="50000"/>
-            </a:schemeClr>
-          </a:lnRef>
-          <a:fillRef idx="1">
-            <a:schemeClr val="accent1"/>
-          </a:fillRef>
-          <a:effectRef idx="0">
-            <a:schemeClr val="accent1"/>
-          </a:effectRef>
-          <a:fontRef idx="minor">
-            <a:schemeClr val="lt1"/>
-          </a:fontRef>
-        </p:style>
-        <p:txBody>
-          <a:bodyPr rtlCol="0" anchor="ctr"/>
-          <a:lstStyle/>
-          <a:p>
-            <a:pPr algn="ctr"/>
-            <a:endParaRPr lang="en-US"/>
-          </a:p>
-        </p:txBody>
-      </p:sp>
-      <p:pic>
-        <p:nvPicPr>
-          <p:cNvPr id="17" name="Picture 16">
-            <a:extLst>
-              <a:ext uri="{FF2B5EF4-FFF2-40B4-BE49-F238E27FC236}">
-                <a16:creationId xmlns:a16="http://schemas.microsoft.com/office/drawing/2014/main" id="{A42D8430-A6DF-3AA5-D77C-1E13BB14872D}"/>
-              </a:ext>
-            </a:extLst>
-          </p:cNvPr>
-          <p:cNvPicPr>
-            <a:picLocks noChangeAspect="1"/>
-          </p:cNvPicPr>
-          <p:nvPr/>
-        </p:nvPicPr>
-        <p:blipFill>
-          <a:blip r:embed="rId3"/>
-          <a:stretch>
-            <a:fillRect/>
-          </a:stretch>
-        </p:blipFill>
-        <p:spPr>
-          <a:xfrm>
-            <a:off x="7172776" y="2615708"/>
-            <a:ext cx="2259232" cy="4242292"/>
-          </a:xfrm>
-          <a:prstGeom prst="rect">
-            <a:avLst/>
-          </a:prstGeom>
-        </p:spPr>
-      </p:pic>
-      <p:sp>
-        <p:nvSpPr>
           <p:cNvPr id="19" name="TextBox 18">
             <a:extLst>
               <a:ext uri="{FF2B5EF4-FFF2-40B4-BE49-F238E27FC236}">
@@ -5224,7 +5156,7 @@
         </p:nvSpPr>
         <p:spPr>
           <a:xfrm rot="8500746">
-            <a:off x="8944056" y="5711077"/>
+            <a:off x="8644528" y="5914734"/>
             <a:ext cx="501868" cy="210207"/>
           </a:xfrm>
           <a:prstGeom prst="rightArrow">
@@ -5378,7 +5310,7 @@
                             </p:stCondLst>
                             <p:childTnLst>
                               <p:par>
-                                <p:cTn id="12" presetID="10" presetClass="entr" presetSubtype="0" fill="hold" nodeType="clickEffect">
+                                <p:cTn id="12" presetID="1" presetClass="entr" presetSubtype="0" fill="hold" grpId="0" nodeType="clickEffect">
                                   <p:stCondLst>
                                     <p:cond delay="0"/>
                                   </p:stCondLst>
@@ -5386,59 +5318,6 @@
                                     <p:set>
                                       <p:cBhvr>
                                         <p:cTn id="13" dur="1" fill="hold">
-                                          <p:stCondLst>
-                                            <p:cond delay="0"/>
-                                          </p:stCondLst>
-                                        </p:cTn>
-                                        <p:tgtEl>
-                                          <p:spTgt spid="17"/>
-                                        </p:tgtEl>
-                                        <p:attrNameLst>
-                                          <p:attrName>style.visibility</p:attrName>
-                                        </p:attrNameLst>
-                                      </p:cBhvr>
-                                      <p:to>
-                                        <p:strVal val="visible"/>
-                                      </p:to>
-                                    </p:set>
-                                    <p:animEffect transition="in" filter="fade">
-                                      <p:cBhvr>
-                                        <p:cTn id="14" dur="500"/>
-                                        <p:tgtEl>
-                                          <p:spTgt spid="17"/>
-                                        </p:tgtEl>
-                                      </p:cBhvr>
-                                    </p:animEffect>
-                                  </p:childTnLst>
-                                </p:cTn>
-                              </p:par>
-                            </p:childTnLst>
-                          </p:cTn>
-                        </p:par>
-                      </p:childTnLst>
-                    </p:cTn>
-                  </p:par>
-                  <p:par>
-                    <p:cTn id="15" fill="hold">
-                      <p:stCondLst>
-                        <p:cond delay="indefinite"/>
-                      </p:stCondLst>
-                      <p:childTnLst>
-                        <p:par>
-                          <p:cTn id="16" fill="hold">
-                            <p:stCondLst>
-                              <p:cond delay="0"/>
-                            </p:stCondLst>
-                            <p:childTnLst>
-                              <p:par>
-                                <p:cTn id="17" presetID="1" presetClass="entr" presetSubtype="0" fill="hold" grpId="0" nodeType="clickEffect">
-                                  <p:stCondLst>
-                                    <p:cond delay="0"/>
-                                  </p:stCondLst>
-                                  <p:childTnLst>
-                                    <p:set>
-                                      <p:cBhvr>
-                                        <p:cTn id="18" dur="1" fill="hold">
                                           <p:stCondLst>
                                             <p:cond delay="0"/>
                                           </p:stCondLst>
@@ -5464,26 +5343,26 @@
                     </p:cTn>
                   </p:par>
                   <p:par>
-                    <p:cTn id="19" fill="hold">
+                    <p:cTn id="14" fill="hold">
                       <p:stCondLst>
                         <p:cond delay="indefinite"/>
                       </p:stCondLst>
                       <p:childTnLst>
                         <p:par>
-                          <p:cTn id="20" fill="hold">
+                          <p:cTn id="15" fill="hold">
                             <p:stCondLst>
                               <p:cond delay="0"/>
                             </p:stCondLst>
                             <p:childTnLst>
                               <p:par>
-                                <p:cTn id="21" presetID="10" presetClass="entr" presetSubtype="0" fill="hold" nodeType="clickEffect">
+                                <p:cTn id="16" presetID="10" presetClass="entr" presetSubtype="0" fill="hold" nodeType="clickEffect">
                                   <p:stCondLst>
                                     <p:cond delay="0"/>
                                   </p:stCondLst>
                                   <p:childTnLst>
                                     <p:set>
                                       <p:cBhvr>
-                                        <p:cTn id="22" dur="1" fill="hold">
+                                        <p:cTn id="17" dur="1" fill="hold">
                                           <p:stCondLst>
                                             <p:cond delay="0"/>
                                           </p:stCondLst>
@@ -5501,7 +5380,7 @@
                                     </p:set>
                                     <p:animEffect transition="in" filter="fade">
                                       <p:cBhvr>
-                                        <p:cTn id="23" dur="500"/>
+                                        <p:cTn id="18" dur="500"/>
                                         <p:tgtEl>
                                           <p:spTgt spid="21"/>
                                         </p:tgtEl>
@@ -5564,10 +5443,10 @@
       </p:grpSpPr>
       <p:pic>
         <p:nvPicPr>
-          <p:cNvPr id="19" name="Picture 18">
+          <p:cNvPr id="10" name="Picture 9">
             <a:extLst>
               <a:ext uri="{FF2B5EF4-FFF2-40B4-BE49-F238E27FC236}">
-                <a16:creationId xmlns:a16="http://schemas.microsoft.com/office/drawing/2014/main" id="{9F33DB36-A31D-690E-00AA-50DA6CA5371B}"/>
+                <a16:creationId xmlns:a16="http://schemas.microsoft.com/office/drawing/2014/main" id="{D742AFB3-C469-9EA7-EB79-012B3369D885}"/>
               </a:ext>
             </a:extLst>
           </p:cNvPr>
@@ -5577,15 +5456,21 @@
           <p:nvPr/>
         </p:nvPicPr>
         <p:blipFill>
-          <a:blip r:embed="rId2"/>
+          <a:blip r:embed="rId2">
+            <a:extLst>
+              <a:ext uri="{28A0092B-C50C-407E-A947-70E740481C1C}">
+                <a14:useLocalDpi xmlns:a14="http://schemas.microsoft.com/office/drawing/2010/main" val="0"/>
+              </a:ext>
+            </a:extLst>
+          </a:blip>
           <a:stretch>
             <a:fillRect/>
           </a:stretch>
         </p:blipFill>
         <p:spPr>
           <a:xfrm>
-            <a:off x="7681113" y="1560825"/>
-            <a:ext cx="2556557" cy="5010264"/>
+            <a:off x="7729969" y="1533561"/>
+            <a:ext cx="2589424" cy="5324439"/>
           </a:xfrm>
           <a:prstGeom prst="rect">
             <a:avLst/>
@@ -5594,10 +5479,10 @@
       </p:pic>
       <p:pic>
         <p:nvPicPr>
-          <p:cNvPr id="4" name="Picture 3">
+          <p:cNvPr id="6" name="Picture 5" descr="Graphical user interface, application&#10;&#10;Description automatically generated">
             <a:extLst>
               <a:ext uri="{FF2B5EF4-FFF2-40B4-BE49-F238E27FC236}">
-                <a16:creationId xmlns:a16="http://schemas.microsoft.com/office/drawing/2014/main" id="{2813FBB8-9EE3-FB3D-AE13-32E3EA83E857}"/>
+                <a16:creationId xmlns:a16="http://schemas.microsoft.com/office/drawing/2014/main" id="{7790F796-4A8F-4565-853F-E0F69AE2CCCA}"/>
               </a:ext>
             </a:extLst>
           </p:cNvPr>
@@ -5607,15 +5492,21 @@
           <p:nvPr/>
         </p:nvPicPr>
         <p:blipFill>
-          <a:blip r:embed="rId3"/>
+          <a:blip r:embed="rId3">
+            <a:extLst>
+              <a:ext uri="{28A0092B-C50C-407E-A947-70E740481C1C}">
+                <a14:useLocalDpi xmlns:a14="http://schemas.microsoft.com/office/drawing/2010/main" val="0"/>
+              </a:ext>
+            </a:extLst>
+          </a:blip>
           <a:stretch>
             <a:fillRect/>
           </a:stretch>
         </p:blipFill>
         <p:spPr>
           <a:xfrm>
-            <a:off x="891157" y="1574846"/>
-            <a:ext cx="2666952" cy="5204737"/>
+            <a:off x="1173154" y="1533906"/>
+            <a:ext cx="2556557" cy="5252925"/>
           </a:xfrm>
           <a:prstGeom prst="rect">
             <a:avLst/>
@@ -5652,36 +5543,6 @@
           </a:prstGeom>
         </p:spPr>
       </p:pic>
-      <p:pic>
-        <p:nvPicPr>
-          <p:cNvPr id="13" name="Picture 12">
-            <a:extLst>
-              <a:ext uri="{FF2B5EF4-FFF2-40B4-BE49-F238E27FC236}">
-                <a16:creationId xmlns:a16="http://schemas.microsoft.com/office/drawing/2014/main" id="{D85404EF-5C7C-A84F-00F9-CC945DC86E04}"/>
-              </a:ext>
-            </a:extLst>
-          </p:cNvPr>
-          <p:cNvPicPr>
-            <a:picLocks noChangeAspect="1"/>
-          </p:cNvPicPr>
-          <p:nvPr/>
-        </p:nvPicPr>
-        <p:blipFill>
-          <a:blip r:embed="rId5"/>
-          <a:stretch>
-            <a:fillRect/>
-          </a:stretch>
-        </p:blipFill>
-        <p:spPr>
-          <a:xfrm>
-            <a:off x="7681113" y="1560825"/>
-            <a:ext cx="2666953" cy="5204368"/>
-          </a:xfrm>
-          <a:prstGeom prst="rect">
-            <a:avLst/>
-          </a:prstGeom>
-        </p:spPr>
-      </p:pic>
       <p:sp>
         <p:nvSpPr>
           <p:cNvPr id="14" name="Arrow: Right 13">
@@ -5696,7 +5557,7 @@
         </p:nvSpPr>
         <p:spPr>
           <a:xfrm rot="7861871">
-            <a:off x="3482285" y="5979092"/>
+            <a:off x="3592517" y="5779394"/>
             <a:ext cx="501868" cy="210207"/>
           </a:xfrm>
           <a:prstGeom prst="rightArrow">
@@ -5750,7 +5611,7 @@
         </p:nvSpPr>
         <p:spPr>
           <a:xfrm rot="7861871">
-            <a:off x="9986736" y="1455722"/>
+            <a:off x="10068459" y="2033790"/>
             <a:ext cx="501868" cy="210207"/>
           </a:xfrm>
           <a:prstGeom prst="rightArrow">
@@ -5825,7 +5686,7 @@
                 </a:solidFill>
                 <a:latin typeface="-apple-system"/>
               </a:rPr>
-              <a:t> Categories page :</a:t>
+              <a:t> Posts page :</a:t>
             </a:r>
             <a:br>
               <a:rPr lang="en-US" sz="3200" b="1" dirty="0">
@@ -5844,6 +5705,78 @@
           </a:p>
         </p:txBody>
       </p:sp>
+      <p:pic>
+        <p:nvPicPr>
+          <p:cNvPr id="15" name="Picture 14" descr="Calendar&#10;&#10;Description automatically generated">
+            <a:extLst>
+              <a:ext uri="{FF2B5EF4-FFF2-40B4-BE49-F238E27FC236}">
+                <a16:creationId xmlns:a16="http://schemas.microsoft.com/office/drawing/2014/main" id="{8222F30B-E0BA-D6FE-88FD-5B7DFF8F04C5}"/>
+              </a:ext>
+            </a:extLst>
+          </p:cNvPr>
+          <p:cNvPicPr>
+            <a:picLocks noChangeAspect="1"/>
+          </p:cNvPicPr>
+          <p:nvPr/>
+        </p:nvPicPr>
+        <p:blipFill>
+          <a:blip r:embed="rId5">
+            <a:extLst>
+              <a:ext uri="{28A0092B-C50C-407E-A947-70E740481C1C}">
+                <a14:useLocalDpi xmlns:a14="http://schemas.microsoft.com/office/drawing/2010/main" val="0"/>
+              </a:ext>
+            </a:extLst>
+          </a:blip>
+          <a:stretch>
+            <a:fillRect/>
+          </a:stretch>
+        </p:blipFill>
+        <p:spPr>
+          <a:xfrm>
+            <a:off x="7750047" y="1518791"/>
+            <a:ext cx="2569346" cy="5283154"/>
+          </a:xfrm>
+          <a:prstGeom prst="rect">
+            <a:avLst/>
+          </a:prstGeom>
+        </p:spPr>
+      </p:pic>
+      <p:pic>
+        <p:nvPicPr>
+          <p:cNvPr id="20" name="Picture 19" descr="Graphical user interface, application&#10;&#10;Description automatically generated">
+            <a:extLst>
+              <a:ext uri="{FF2B5EF4-FFF2-40B4-BE49-F238E27FC236}">
+                <a16:creationId xmlns:a16="http://schemas.microsoft.com/office/drawing/2014/main" id="{261B0A30-0BAB-38B2-BF43-36504B941CEE}"/>
+              </a:ext>
+            </a:extLst>
+          </p:cNvPr>
+          <p:cNvPicPr>
+            <a:picLocks noChangeAspect="1"/>
+          </p:cNvPicPr>
+          <p:nvPr/>
+        </p:nvPicPr>
+        <p:blipFill>
+          <a:blip r:embed="rId6">
+            <a:extLst>
+              <a:ext uri="{28A0092B-C50C-407E-A947-70E740481C1C}">
+                <a14:useLocalDpi xmlns:a14="http://schemas.microsoft.com/office/drawing/2010/main" val="0"/>
+              </a:ext>
+            </a:extLst>
+          </a:blip>
+          <a:stretch>
+            <a:fillRect/>
+          </a:stretch>
+        </p:blipFill>
+        <p:spPr>
+          <a:xfrm>
+            <a:off x="7750047" y="1462736"/>
+            <a:ext cx="2813362" cy="5654297"/>
+          </a:xfrm>
+          <a:prstGeom prst="rect">
+            <a:avLst/>
+          </a:prstGeom>
+        </p:spPr>
+      </p:pic>
     </p:spTree>
     <p:extLst>
       <p:ext uri="{BB962C8B-B14F-4D97-AF65-F5344CB8AC3E}">
@@ -6016,7 +5949,7 @@
                                           </p:stCondLst>
                                         </p:cTn>
                                         <p:tgtEl>
-                                          <p:spTgt spid="19"/>
+                                          <p:spTgt spid="10"/>
                                         </p:tgtEl>
                                         <p:attrNameLst>
                                           <p:attrName>style.visibility</p:attrName>
@@ -6048,20 +5981,103 @@
                             </p:stCondLst>
                             <p:childTnLst>
                               <p:par>
-                                <p:cTn id="20" presetID="1" presetClass="entr" presetSubtype="0" fill="hold" grpId="0" nodeType="clickEffect">
+                                <p:cTn id="20" presetID="27" presetClass="emph" presetSubtype="0" fill="remove" grpId="0" nodeType="clickEffect">
+                                  <p:stCondLst>
+                                    <p:cond delay="0"/>
+                                  </p:stCondLst>
+                                  <p:childTnLst>
+                                    <p:animClr clrSpc="rgb" dir="cw">
+                                      <p:cBhvr override="childStyle">
+                                        <p:cTn id="21" dur="250" autoRev="1" fill="remove"/>
+                                        <p:tgtEl>
+                                          <p:spTgt spid="16"/>
+                                        </p:tgtEl>
+                                        <p:attrNameLst>
+                                          <p:attrName>style.color</p:attrName>
+                                        </p:attrNameLst>
+                                      </p:cBhvr>
+                                      <p:to>
+                                        <a:schemeClr val="bg1"/>
+                                      </p:to>
+                                    </p:animClr>
+                                    <p:animClr clrSpc="rgb" dir="cw">
+                                      <p:cBhvr>
+                                        <p:cTn id="22" dur="250" autoRev="1" fill="remove"/>
+                                        <p:tgtEl>
+                                          <p:spTgt spid="16"/>
+                                        </p:tgtEl>
+                                        <p:attrNameLst>
+                                          <p:attrName>fillcolor</p:attrName>
+                                        </p:attrNameLst>
+                                      </p:cBhvr>
+                                      <p:to>
+                                        <a:schemeClr val="bg1"/>
+                                      </p:to>
+                                    </p:animClr>
+                                    <p:set>
+                                      <p:cBhvr>
+                                        <p:cTn id="23" dur="250" autoRev="1" fill="remove"/>
+                                        <p:tgtEl>
+                                          <p:spTgt spid="16"/>
+                                        </p:tgtEl>
+                                        <p:attrNameLst>
+                                          <p:attrName>fill.type</p:attrName>
+                                        </p:attrNameLst>
+                                      </p:cBhvr>
+                                      <p:to>
+                                        <p:strVal val="solid"/>
+                                      </p:to>
+                                    </p:set>
+                                    <p:set>
+                                      <p:cBhvr>
+                                        <p:cTn id="24" dur="250" autoRev="1" fill="remove"/>
+                                        <p:tgtEl>
+                                          <p:spTgt spid="16"/>
+                                        </p:tgtEl>
+                                        <p:attrNameLst>
+                                          <p:attrName>fill.on</p:attrName>
+                                        </p:attrNameLst>
+                                      </p:cBhvr>
+                                      <p:to>
+                                        <p:strVal val="true"/>
+                                      </p:to>
+                                    </p:set>
+                                  </p:childTnLst>
+                                </p:cTn>
+                              </p:par>
+                            </p:childTnLst>
+                          </p:cTn>
+                        </p:par>
+                      </p:childTnLst>
+                    </p:cTn>
+                  </p:par>
+                  <p:par>
+                    <p:cTn id="25" fill="hold">
+                      <p:stCondLst>
+                        <p:cond delay="indefinite"/>
+                      </p:stCondLst>
+                      <p:childTnLst>
+                        <p:par>
+                          <p:cTn id="26" fill="hold">
+                            <p:stCondLst>
+                              <p:cond delay="0"/>
+                            </p:stCondLst>
+                            <p:childTnLst>
+                              <p:par>
+                                <p:cTn id="27" presetID="1" presetClass="entr" presetSubtype="0" fill="hold" nodeType="clickEffect">
                                   <p:stCondLst>
                                     <p:cond delay="0"/>
                                   </p:stCondLst>
                                   <p:childTnLst>
                                     <p:set>
                                       <p:cBhvr>
-                                        <p:cTn id="21" dur="1" fill="hold">
+                                        <p:cTn id="28" dur="1" fill="hold">
                                           <p:stCondLst>
                                             <p:cond delay="0"/>
                                           </p:stCondLst>
                                         </p:cTn>
                                         <p:tgtEl>
-                                          <p:spTgt spid="16"/>
+                                          <p:spTgt spid="15"/>
                                         </p:tgtEl>
                                         <p:attrNameLst>
                                           <p:attrName>style.visibility</p:attrName>
@@ -6081,32 +6097,32 @@
                     </p:cTn>
                   </p:par>
                   <p:par>
-                    <p:cTn id="22" fill="hold">
+                    <p:cTn id="29" fill="hold">
                       <p:stCondLst>
                         <p:cond delay="indefinite"/>
                       </p:stCondLst>
                       <p:childTnLst>
                         <p:par>
-                          <p:cTn id="23" fill="hold">
+                          <p:cTn id="30" fill="hold">
                             <p:stCondLst>
                               <p:cond delay="0"/>
                             </p:stCondLst>
                             <p:childTnLst>
                               <p:par>
-                                <p:cTn id="24" presetID="10" presetClass="entr" presetSubtype="0" fill="hold" nodeType="clickEffect">
+                                <p:cTn id="31" presetID="1" presetClass="entr" presetSubtype="0" fill="hold" nodeType="clickEffect">
                                   <p:stCondLst>
                                     <p:cond delay="0"/>
                                   </p:stCondLst>
                                   <p:childTnLst>
                                     <p:set>
                                       <p:cBhvr>
-                                        <p:cTn id="25" dur="1" fill="hold">
+                                        <p:cTn id="32" dur="1" fill="hold">
                                           <p:stCondLst>
                                             <p:cond delay="0"/>
                                           </p:stCondLst>
                                         </p:cTn>
                                         <p:tgtEl>
-                                          <p:spTgt spid="13"/>
+                                          <p:spTgt spid="20"/>
                                         </p:tgtEl>
                                         <p:attrNameLst>
                                           <p:attrName>style.visibility</p:attrName>
@@ -6116,14 +6132,6 @@
                                         <p:strVal val="visible"/>
                                       </p:to>
                                     </p:set>
-                                    <p:animEffect transition="in" filter="fade">
-                                      <p:cBhvr>
-                                        <p:cTn id="26" dur="500"/>
-                                        <p:tgtEl>
-                                          <p:spTgt spid="13"/>
-                                        </p:tgtEl>
-                                      </p:cBhvr>
-                                    </p:animEffect>
                                   </p:childTnLst>
                                 </p:cTn>
                               </p:par>
@@ -6181,10 +6189,10 @@
       </p:grpSpPr>
       <p:pic>
         <p:nvPicPr>
-          <p:cNvPr id="5" name="Picture 4">
+          <p:cNvPr id="4" name="Picture 3" descr="Graphical user interface, website&#10;&#10;Description automatically generated">
             <a:extLst>
               <a:ext uri="{FF2B5EF4-FFF2-40B4-BE49-F238E27FC236}">
-                <a16:creationId xmlns:a16="http://schemas.microsoft.com/office/drawing/2014/main" id="{305353E9-6502-6359-AA4A-25D8BBA50893}"/>
+                <a16:creationId xmlns:a16="http://schemas.microsoft.com/office/drawing/2014/main" id="{DCC842FA-11CE-9B95-C4DB-0016A2143539}"/>
               </a:ext>
             </a:extLst>
           </p:cNvPr>
@@ -6194,15 +6202,21 @@
           <p:nvPr/>
         </p:nvPicPr>
         <p:blipFill>
-          <a:blip r:embed="rId2"/>
+          <a:blip r:embed="rId2">
+            <a:extLst>
+              <a:ext uri="{28A0092B-C50C-407E-A947-70E740481C1C}">
+                <a14:useLocalDpi xmlns:a14="http://schemas.microsoft.com/office/drawing/2010/main" val="0"/>
+              </a:ext>
+            </a:extLst>
+          </a:blip>
           <a:stretch>
             <a:fillRect/>
           </a:stretch>
         </p:blipFill>
         <p:spPr>
           <a:xfrm>
-            <a:off x="6658426" y="1785389"/>
-            <a:ext cx="2599250" cy="5072611"/>
+            <a:off x="2757927" y="1657030"/>
+            <a:ext cx="2473936" cy="5086969"/>
           </a:xfrm>
           <a:prstGeom prst="rect">
             <a:avLst/>
@@ -6211,10 +6225,10 @@
       </p:pic>
       <p:pic>
         <p:nvPicPr>
-          <p:cNvPr id="6" name="Picture 5">
+          <p:cNvPr id="6" name="Picture 5" descr="Graphical user interface, application&#10;&#10;Description automatically generated">
             <a:extLst>
               <a:ext uri="{FF2B5EF4-FFF2-40B4-BE49-F238E27FC236}">
-                <a16:creationId xmlns:a16="http://schemas.microsoft.com/office/drawing/2014/main" id="{E3369CEC-07DD-DA29-A4F6-F013A61B4F18}"/>
+                <a16:creationId xmlns:a16="http://schemas.microsoft.com/office/drawing/2014/main" id="{078B64D5-49FF-2013-3E76-1383EE237E7C}"/>
               </a:ext>
             </a:extLst>
           </p:cNvPr>
@@ -6224,15 +6238,21 @@
           <p:nvPr/>
         </p:nvPicPr>
         <p:blipFill>
-          <a:blip r:embed="rId3"/>
+          <a:blip r:embed="rId3">
+            <a:extLst>
+              <a:ext uri="{28A0092B-C50C-407E-A947-70E740481C1C}">
+                <a14:useLocalDpi xmlns:a14="http://schemas.microsoft.com/office/drawing/2010/main" val="0"/>
+              </a:ext>
+            </a:extLst>
+          </a:blip>
           <a:stretch>
             <a:fillRect/>
           </a:stretch>
         </p:blipFill>
         <p:spPr>
           <a:xfrm>
-            <a:off x="2934324" y="1785388"/>
-            <a:ext cx="2618121" cy="5072611"/>
+            <a:off x="8940840" y="1682356"/>
+            <a:ext cx="2473936" cy="5083166"/>
           </a:xfrm>
           <a:prstGeom prst="rect">
             <a:avLst/>
@@ -6241,10 +6261,10 @@
       </p:pic>
       <p:pic>
         <p:nvPicPr>
-          <p:cNvPr id="7" name="Picture 6">
+          <p:cNvPr id="3" name="Picture 2" descr="Diagram&#10;&#10;Description automatically generated">
             <a:extLst>
               <a:ext uri="{FF2B5EF4-FFF2-40B4-BE49-F238E27FC236}">
-                <a16:creationId xmlns:a16="http://schemas.microsoft.com/office/drawing/2014/main" id="{8202A7EA-A555-3F77-1AD7-DE2EDB28BE6D}"/>
+                <a16:creationId xmlns:a16="http://schemas.microsoft.com/office/drawing/2014/main" id="{CD0B9553-4DA2-6668-BB08-702F452FC1DF}"/>
               </a:ext>
             </a:extLst>
           </p:cNvPr>
@@ -6254,534 +6274,21 @@
           <p:nvPr/>
         </p:nvPicPr>
         <p:blipFill>
-          <a:blip r:embed="rId4"/>
+          <a:blip r:embed="rId4">
+            <a:extLst>
+              <a:ext uri="{28A0092B-C50C-407E-A947-70E740481C1C}">
+                <a14:useLocalDpi xmlns:a14="http://schemas.microsoft.com/office/drawing/2010/main" val="0"/>
+              </a:ext>
+            </a:extLst>
+          </a:blip>
           <a:stretch>
             <a:fillRect/>
           </a:stretch>
         </p:blipFill>
         <p:spPr>
           <a:xfrm>
-            <a:off x="6668541" y="1668089"/>
-            <a:ext cx="2711157" cy="5072612"/>
-          </a:xfrm>
-          <a:prstGeom prst="rect">
-            <a:avLst/>
-          </a:prstGeom>
-        </p:spPr>
-      </p:pic>
-      <p:sp>
-        <p:nvSpPr>
-          <p:cNvPr id="8" name="Arrow: Right 7">
-            <a:extLst>
-              <a:ext uri="{FF2B5EF4-FFF2-40B4-BE49-F238E27FC236}">
-                <a16:creationId xmlns:a16="http://schemas.microsoft.com/office/drawing/2014/main" id="{F4D9D2C6-2274-D718-A51D-E56E7F9EF1F1}"/>
-              </a:ext>
-            </a:extLst>
-          </p:cNvPr>
-          <p:cNvSpPr/>
-          <p:nvPr/>
-        </p:nvSpPr>
-        <p:spPr>
-          <a:xfrm rot="8025490">
-            <a:off x="5326659" y="1819232"/>
-            <a:ext cx="501868" cy="195200"/>
-          </a:xfrm>
-          <a:prstGeom prst="rightArrow">
-            <a:avLst/>
-          </a:prstGeom>
-          <a:solidFill>
-            <a:schemeClr val="tx1"/>
-          </a:solidFill>
-          <a:ln>
-            <a:solidFill>
-              <a:schemeClr val="tx1"/>
-            </a:solidFill>
-          </a:ln>
-        </p:spPr>
-        <p:style>
-          <a:lnRef idx="2">
-            <a:schemeClr val="accent1">
-              <a:shade val="50000"/>
-            </a:schemeClr>
-          </a:lnRef>
-          <a:fillRef idx="1">
-            <a:schemeClr val="accent1"/>
-          </a:fillRef>
-          <a:effectRef idx="0">
-            <a:schemeClr val="accent1"/>
-          </a:effectRef>
-          <a:fontRef idx="minor">
-            <a:schemeClr val="lt1"/>
-          </a:fontRef>
-        </p:style>
-        <p:txBody>
-          <a:bodyPr rtlCol="0" anchor="ctr"/>
-          <a:lstStyle/>
-          <a:p>
-            <a:pPr algn="ctr"/>
-            <a:endParaRPr lang="en-US"/>
-          </a:p>
-        </p:txBody>
-      </p:sp>
-      <p:sp>
-        <p:nvSpPr>
-          <p:cNvPr id="9" name="Arrow: Right 8">
-            <a:extLst>
-              <a:ext uri="{FF2B5EF4-FFF2-40B4-BE49-F238E27FC236}">
-                <a16:creationId xmlns:a16="http://schemas.microsoft.com/office/drawing/2014/main" id="{C24A18F5-FA33-3A04-01CD-E15C0B93356B}"/>
-              </a:ext>
-            </a:extLst>
-          </p:cNvPr>
-          <p:cNvSpPr/>
-          <p:nvPr/>
-        </p:nvSpPr>
-        <p:spPr>
-          <a:xfrm rot="8025490">
-            <a:off x="9006743" y="1819232"/>
-            <a:ext cx="501868" cy="195200"/>
-          </a:xfrm>
-          <a:prstGeom prst="rightArrow">
-            <a:avLst/>
-          </a:prstGeom>
-          <a:solidFill>
-            <a:schemeClr val="tx1"/>
-          </a:solidFill>
-          <a:ln>
-            <a:solidFill>
-              <a:schemeClr val="tx1"/>
-            </a:solidFill>
-          </a:ln>
-        </p:spPr>
-        <p:style>
-          <a:lnRef idx="2">
-            <a:schemeClr val="accent1">
-              <a:shade val="50000"/>
-            </a:schemeClr>
-          </a:lnRef>
-          <a:fillRef idx="1">
-            <a:schemeClr val="accent1"/>
-          </a:fillRef>
-          <a:effectRef idx="0">
-            <a:schemeClr val="accent1"/>
-          </a:effectRef>
-          <a:fontRef idx="minor">
-            <a:schemeClr val="lt1"/>
-          </a:fontRef>
-        </p:style>
-        <p:txBody>
-          <a:bodyPr rtlCol="0" anchor="ctr"/>
-          <a:lstStyle/>
-          <a:p>
-            <a:pPr algn="ctr"/>
-            <a:endParaRPr lang="en-US"/>
-          </a:p>
-        </p:txBody>
-      </p:sp>
-      <p:sp>
-        <p:nvSpPr>
-          <p:cNvPr id="10" name="TextBox 9">
-            <a:extLst>
-              <a:ext uri="{FF2B5EF4-FFF2-40B4-BE49-F238E27FC236}">
-                <a16:creationId xmlns:a16="http://schemas.microsoft.com/office/drawing/2014/main" id="{3120AD7E-F288-5CE4-7DF2-ABF2B90565E5}"/>
-              </a:ext>
-            </a:extLst>
-          </p:cNvPr>
-          <p:cNvSpPr txBox="1"/>
-          <p:nvPr/>
-        </p:nvSpPr>
-        <p:spPr>
-          <a:xfrm>
-            <a:off x="168164" y="198637"/>
-            <a:ext cx="6096000" cy="1077218"/>
-          </a:xfrm>
-          <a:prstGeom prst="rect">
-            <a:avLst/>
-          </a:prstGeom>
-          <a:noFill/>
-        </p:spPr>
-        <p:txBody>
-          <a:bodyPr wrap="square">
-            <a:spAutoFit/>
-          </a:bodyPr>
-          <a:lstStyle/>
-          <a:p>
-            <a:r>
-              <a:rPr lang="en-US" sz="3200" b="1" dirty="0">
-                <a:solidFill>
-                  <a:srgbClr val="FE5722"/>
-                </a:solidFill>
-                <a:latin typeface="-apple-system"/>
-              </a:rPr>
-              <a:t>Profile page &amp; sign out :</a:t>
-            </a:r>
-            <a:br>
-              <a:rPr lang="en-US" sz="3200" b="1" dirty="0">
-                <a:solidFill>
-                  <a:srgbClr val="FE5722"/>
-                </a:solidFill>
-                <a:latin typeface="-apple-system"/>
-              </a:rPr>
-            </a:br>
-            <a:endParaRPr lang="en-US" sz="3200" b="1" dirty="0">
-              <a:solidFill>
-                <a:srgbClr val="FE5722"/>
-              </a:solidFill>
-              <a:latin typeface="-apple-system"/>
-            </a:endParaRPr>
-          </a:p>
-        </p:txBody>
-      </p:sp>
-    </p:spTree>
-    <p:extLst>
-      <p:ext uri="{BB962C8B-B14F-4D97-AF65-F5344CB8AC3E}">
-        <p14:creationId xmlns:p14="http://schemas.microsoft.com/office/powerpoint/2010/main" val="3989077285"/>
-      </p:ext>
-    </p:extLst>
-  </p:cSld>
-  <p:clrMapOvr>
-    <a:masterClrMapping/>
-  </p:clrMapOvr>
-  <p:timing>
-    <p:tnLst>
-      <p:par>
-        <p:cTn id="1" dur="indefinite" restart="never" nodeType="tmRoot">
-          <p:childTnLst>
-            <p:seq concurrent="1" nextAc="seek">
-              <p:cTn id="2" dur="indefinite" nodeType="mainSeq">
-                <p:childTnLst>
-                  <p:par>
-                    <p:cTn id="3" fill="hold">
-                      <p:stCondLst>
-                        <p:cond delay="indefinite"/>
-                      </p:stCondLst>
-                      <p:childTnLst>
-                        <p:par>
-                          <p:cTn id="4" fill="hold">
-                            <p:stCondLst>
-                              <p:cond delay="0"/>
-                            </p:stCondLst>
-                            <p:childTnLst>
-                              <p:par>
-                                <p:cTn id="5" presetID="27" presetClass="emph" presetSubtype="0" fill="remove" grpId="0" nodeType="clickEffect">
-                                  <p:stCondLst>
-                                    <p:cond delay="0"/>
-                                  </p:stCondLst>
-                                  <p:childTnLst>
-                                    <p:animClr clrSpc="rgb" dir="cw">
-                                      <p:cBhvr override="childStyle">
-                                        <p:cTn id="6" dur="250" autoRev="1" fill="remove"/>
-                                        <p:tgtEl>
-                                          <p:spTgt spid="8"/>
-                                        </p:tgtEl>
-                                        <p:attrNameLst>
-                                          <p:attrName>style.color</p:attrName>
-                                        </p:attrNameLst>
-                                      </p:cBhvr>
-                                      <p:to>
-                                        <a:schemeClr val="bg1"/>
-                                      </p:to>
-                                    </p:animClr>
-                                    <p:animClr clrSpc="rgb" dir="cw">
-                                      <p:cBhvr>
-                                        <p:cTn id="7" dur="250" autoRev="1" fill="remove"/>
-                                        <p:tgtEl>
-                                          <p:spTgt spid="8"/>
-                                        </p:tgtEl>
-                                        <p:attrNameLst>
-                                          <p:attrName>fillcolor</p:attrName>
-                                        </p:attrNameLst>
-                                      </p:cBhvr>
-                                      <p:to>
-                                        <a:schemeClr val="bg1"/>
-                                      </p:to>
-                                    </p:animClr>
-                                    <p:set>
-                                      <p:cBhvr>
-                                        <p:cTn id="8" dur="250" autoRev="1" fill="remove"/>
-                                        <p:tgtEl>
-                                          <p:spTgt spid="8"/>
-                                        </p:tgtEl>
-                                        <p:attrNameLst>
-                                          <p:attrName>fill.type</p:attrName>
-                                        </p:attrNameLst>
-                                      </p:cBhvr>
-                                      <p:to>
-                                        <p:strVal val="solid"/>
-                                      </p:to>
-                                    </p:set>
-                                    <p:set>
-                                      <p:cBhvr>
-                                        <p:cTn id="9" dur="250" autoRev="1" fill="remove"/>
-                                        <p:tgtEl>
-                                          <p:spTgt spid="8"/>
-                                        </p:tgtEl>
-                                        <p:attrNameLst>
-                                          <p:attrName>fill.on</p:attrName>
-                                        </p:attrNameLst>
-                                      </p:cBhvr>
-                                      <p:to>
-                                        <p:strVal val="true"/>
-                                      </p:to>
-                                    </p:set>
-                                  </p:childTnLst>
-                                </p:cTn>
-                              </p:par>
-                            </p:childTnLst>
-                          </p:cTn>
-                        </p:par>
-                      </p:childTnLst>
-                    </p:cTn>
-                  </p:par>
-                  <p:par>
-                    <p:cTn id="10" fill="hold">
-                      <p:stCondLst>
-                        <p:cond delay="indefinite"/>
-                      </p:stCondLst>
-                      <p:childTnLst>
-                        <p:par>
-                          <p:cTn id="11" fill="hold">
-                            <p:stCondLst>
-                              <p:cond delay="0"/>
-                            </p:stCondLst>
-                            <p:childTnLst>
-                              <p:par>
-                                <p:cTn id="12" presetID="10" presetClass="entr" presetSubtype="0" fill="hold" nodeType="clickEffect">
-                                  <p:stCondLst>
-                                    <p:cond delay="0"/>
-                                  </p:stCondLst>
-                                  <p:childTnLst>
-                                    <p:set>
-                                      <p:cBhvr>
-                                        <p:cTn id="13" dur="1" fill="hold">
-                                          <p:stCondLst>
-                                            <p:cond delay="0"/>
-                                          </p:stCondLst>
-                                        </p:cTn>
-                                        <p:tgtEl>
-                                          <p:spTgt spid="5"/>
-                                        </p:tgtEl>
-                                        <p:attrNameLst>
-                                          <p:attrName>style.visibility</p:attrName>
-                                        </p:attrNameLst>
-                                      </p:cBhvr>
-                                      <p:to>
-                                        <p:strVal val="visible"/>
-                                      </p:to>
-                                    </p:set>
-                                    <p:animEffect transition="in" filter="fade">
-                                      <p:cBhvr>
-                                        <p:cTn id="14" dur="500"/>
-                                        <p:tgtEl>
-                                          <p:spTgt spid="5"/>
-                                        </p:tgtEl>
-                                      </p:cBhvr>
-                                    </p:animEffect>
-                                  </p:childTnLst>
-                                </p:cTn>
-                              </p:par>
-                            </p:childTnLst>
-                          </p:cTn>
-                        </p:par>
-                      </p:childTnLst>
-                    </p:cTn>
-                  </p:par>
-                  <p:par>
-                    <p:cTn id="15" fill="hold">
-                      <p:stCondLst>
-                        <p:cond delay="indefinite"/>
-                      </p:stCondLst>
-                      <p:childTnLst>
-                        <p:par>
-                          <p:cTn id="16" fill="hold">
-                            <p:stCondLst>
-                              <p:cond delay="0"/>
-                            </p:stCondLst>
-                            <p:childTnLst>
-                              <p:par>
-                                <p:cTn id="17" presetID="1" presetClass="entr" presetSubtype="0" fill="hold" grpId="0" nodeType="clickEffect">
-                                  <p:stCondLst>
-                                    <p:cond delay="0"/>
-                                  </p:stCondLst>
-                                  <p:childTnLst>
-                                    <p:set>
-                                      <p:cBhvr>
-                                        <p:cTn id="18" dur="1" fill="hold">
-                                          <p:stCondLst>
-                                            <p:cond delay="0"/>
-                                          </p:stCondLst>
-                                        </p:cTn>
-                                        <p:tgtEl>
-                                          <p:spTgt spid="9"/>
-                                        </p:tgtEl>
-                                        <p:attrNameLst>
-                                          <p:attrName>style.visibility</p:attrName>
-                                        </p:attrNameLst>
-                                      </p:cBhvr>
-                                      <p:to>
-                                        <p:strVal val="visible"/>
-                                      </p:to>
-                                    </p:set>
-                                  </p:childTnLst>
-                                </p:cTn>
-                              </p:par>
-                            </p:childTnLst>
-                          </p:cTn>
-                        </p:par>
-                      </p:childTnLst>
-                    </p:cTn>
-                  </p:par>
-                  <p:par>
-                    <p:cTn id="19" fill="hold">
-                      <p:stCondLst>
-                        <p:cond delay="indefinite"/>
-                      </p:stCondLst>
-                      <p:childTnLst>
-                        <p:par>
-                          <p:cTn id="20" fill="hold">
-                            <p:stCondLst>
-                              <p:cond delay="0"/>
-                            </p:stCondLst>
-                            <p:childTnLst>
-                              <p:par>
-                                <p:cTn id="21" presetID="10" presetClass="entr" presetSubtype="0" fill="hold" nodeType="clickEffect">
-                                  <p:stCondLst>
-                                    <p:cond delay="0"/>
-                                  </p:stCondLst>
-                                  <p:childTnLst>
-                                    <p:set>
-                                      <p:cBhvr>
-                                        <p:cTn id="22" dur="1" fill="hold">
-                                          <p:stCondLst>
-                                            <p:cond delay="0"/>
-                                          </p:stCondLst>
-                                        </p:cTn>
-                                        <p:tgtEl>
-                                          <p:spTgt spid="7"/>
-                                        </p:tgtEl>
-                                        <p:attrNameLst>
-                                          <p:attrName>style.visibility</p:attrName>
-                                        </p:attrNameLst>
-                                      </p:cBhvr>
-                                      <p:to>
-                                        <p:strVal val="visible"/>
-                                      </p:to>
-                                    </p:set>
-                                    <p:animEffect transition="in" filter="fade">
-                                      <p:cBhvr>
-                                        <p:cTn id="23" dur="500"/>
-                                        <p:tgtEl>
-                                          <p:spTgt spid="7"/>
-                                        </p:tgtEl>
-                                      </p:cBhvr>
-                                    </p:animEffect>
-                                  </p:childTnLst>
-                                </p:cTn>
-                              </p:par>
-                            </p:childTnLst>
-                          </p:cTn>
-                        </p:par>
-                      </p:childTnLst>
-                    </p:cTn>
-                  </p:par>
-                </p:childTnLst>
-              </p:cTn>
-              <p:prevCondLst>
-                <p:cond evt="onPrev" delay="0">
-                  <p:tgtEl>
-                    <p:sldTgt/>
-                  </p:tgtEl>
-                </p:cond>
-              </p:prevCondLst>
-              <p:nextCondLst>
-                <p:cond evt="onNext" delay="0">
-                  <p:tgtEl>
-                    <p:sldTgt/>
-                  </p:tgtEl>
-                </p:cond>
-              </p:nextCondLst>
-            </p:seq>
-          </p:childTnLst>
-        </p:cTn>
-      </p:par>
-    </p:tnLst>
-    <p:bldLst>
-      <p:bldP spid="8" grpId="0" animBg="1"/>
-      <p:bldP spid="9" grpId="0" animBg="1"/>
-    </p:bldLst>
-  </p:timing>
-</p:sld>
-</file>
-
-<file path=ppt/slides/slide8.xml><?xml version="1.0" encoding="utf-8"?>
-<p:sld xmlns:a="http://schemas.openxmlformats.org/drawingml/2006/main" xmlns:r="http://schemas.openxmlformats.org/officeDocument/2006/relationships" xmlns:p="http://schemas.openxmlformats.org/presentationml/2006/main">
-  <p:cSld>
-    <p:spTree>
-      <p:nvGrpSpPr>
-        <p:cNvPr id="1" name=""/>
-        <p:cNvGrpSpPr/>
-        <p:nvPr/>
-      </p:nvGrpSpPr>
-      <p:grpSpPr>
-        <a:xfrm>
-          <a:off x="0" y="0"/>
-          <a:ext cx="0" cy="0"/>
-          <a:chOff x="0" y="0"/>
-          <a:chExt cx="0" cy="0"/>
-        </a:xfrm>
-      </p:grpSpPr>
-      <p:pic>
-        <p:nvPicPr>
-          <p:cNvPr id="7" name="Content Placeholder 6">
-            <a:extLst>
-              <a:ext uri="{FF2B5EF4-FFF2-40B4-BE49-F238E27FC236}">
-                <a16:creationId xmlns:a16="http://schemas.microsoft.com/office/drawing/2014/main" id="{E99AC082-D51A-A59E-B266-D71B018BDA1E}"/>
-              </a:ext>
-            </a:extLst>
-          </p:cNvPr>
-          <p:cNvPicPr>
-            <a:picLocks noGrp="1" noChangeAspect="1"/>
-          </p:cNvPicPr>
-          <p:nvPr>
-            <p:ph idx="1"/>
-          </p:nvPr>
-        </p:nvPicPr>
-        <p:blipFill>
-          <a:blip r:embed="rId2"/>
-          <a:stretch>
-            <a:fillRect/>
-          </a:stretch>
-        </p:blipFill>
-        <p:spPr>
-          <a:xfrm>
-            <a:off x="2603705" y="1728374"/>
-            <a:ext cx="2438395" cy="4742502"/>
-          </a:xfrm>
-        </p:spPr>
-      </p:pic>
-      <p:pic>
-        <p:nvPicPr>
-          <p:cNvPr id="5" name="Picture 4">
-            <a:extLst>
-              <a:ext uri="{FF2B5EF4-FFF2-40B4-BE49-F238E27FC236}">
-                <a16:creationId xmlns:a16="http://schemas.microsoft.com/office/drawing/2014/main" id="{1BE907D3-2BBC-3ACA-65F3-B15E26D13470}"/>
-              </a:ext>
-            </a:extLst>
-          </p:cNvPr>
-          <p:cNvPicPr>
-            <a:picLocks noChangeAspect="1"/>
-          </p:cNvPicPr>
-          <p:nvPr/>
-        </p:nvPicPr>
-        <p:blipFill>
-          <a:blip r:embed="rId3"/>
-          <a:stretch>
-            <a:fillRect/>
-          </a:stretch>
-        </p:blipFill>
-        <p:spPr>
-          <a:xfrm>
-            <a:off x="5991741" y="1727987"/>
-            <a:ext cx="2438395" cy="4742889"/>
+            <a:off x="5883891" y="1727985"/>
+            <a:ext cx="2404922" cy="4945061"/>
           </a:xfrm>
           <a:prstGeom prst="rect">
             <a:avLst/>
@@ -6803,36 +6310,6 @@
           <p:nvPr/>
         </p:nvPicPr>
         <p:blipFill>
-          <a:blip r:embed="rId4"/>
-          <a:stretch>
-            <a:fillRect/>
-          </a:stretch>
-        </p:blipFill>
-        <p:spPr>
-          <a:xfrm>
-            <a:off x="6006394" y="1727986"/>
-            <a:ext cx="2473936" cy="4742889"/>
-          </a:xfrm>
-          <a:prstGeom prst="rect">
-            <a:avLst/>
-          </a:prstGeom>
-        </p:spPr>
-      </p:pic>
-      <p:pic>
-        <p:nvPicPr>
-          <p:cNvPr id="11" name="Picture 10">
-            <a:extLst>
-              <a:ext uri="{FF2B5EF4-FFF2-40B4-BE49-F238E27FC236}">
-                <a16:creationId xmlns:a16="http://schemas.microsoft.com/office/drawing/2014/main" id="{F5DDC021-2C16-9DD5-B92E-0CBA63CC3F51}"/>
-              </a:ext>
-            </a:extLst>
-          </p:cNvPr>
-          <p:cNvPicPr>
-            <a:picLocks noChangeAspect="1"/>
-          </p:cNvPicPr>
-          <p:nvPr/>
-        </p:nvPicPr>
-        <p:blipFill>
           <a:blip r:embed="rId5"/>
           <a:stretch>
             <a:fillRect/>
@@ -6840,38 +6317,8 @@
         </p:blipFill>
         <p:spPr>
           <a:xfrm>
-            <a:off x="8940974" y="1727985"/>
-            <a:ext cx="2438395" cy="4742889"/>
-          </a:xfrm>
-          <a:prstGeom prst="rect">
-            <a:avLst/>
-          </a:prstGeom>
-        </p:spPr>
-      </p:pic>
-      <p:pic>
-        <p:nvPicPr>
-          <p:cNvPr id="13" name="Picture 12">
-            <a:extLst>
-              <a:ext uri="{FF2B5EF4-FFF2-40B4-BE49-F238E27FC236}">
-                <a16:creationId xmlns:a16="http://schemas.microsoft.com/office/drawing/2014/main" id="{88015A48-FD2F-4471-EF16-9737B25ED5C0}"/>
-              </a:ext>
-            </a:extLst>
-          </p:cNvPr>
-          <p:cNvPicPr>
-            <a:picLocks noChangeAspect="1"/>
-          </p:cNvPicPr>
-          <p:nvPr/>
-        </p:nvPicPr>
-        <p:blipFill>
-          <a:blip r:embed="rId6"/>
-          <a:stretch>
-            <a:fillRect/>
-          </a:stretch>
-        </p:blipFill>
-        <p:spPr>
-          <a:xfrm>
-            <a:off x="8940973" y="1727985"/>
-            <a:ext cx="2438395" cy="4680415"/>
+            <a:off x="5883890" y="1749214"/>
+            <a:ext cx="2473936" cy="4742889"/>
           </a:xfrm>
           <a:prstGeom prst="rect">
             <a:avLst/>
@@ -7042,60 +6489,6 @@
       </p:sp>
       <p:sp>
         <p:nvSpPr>
-          <p:cNvPr id="17" name="Arrow: Right 16">
-            <a:extLst>
-              <a:ext uri="{FF2B5EF4-FFF2-40B4-BE49-F238E27FC236}">
-                <a16:creationId xmlns:a16="http://schemas.microsoft.com/office/drawing/2014/main" id="{2EC93EF4-C594-9073-55EA-314FD5FF67EA}"/>
-              </a:ext>
-            </a:extLst>
-          </p:cNvPr>
-          <p:cNvSpPr/>
-          <p:nvPr/>
-        </p:nvSpPr>
-        <p:spPr>
-          <a:xfrm rot="7861871">
-            <a:off x="10671461" y="3757265"/>
-            <a:ext cx="501868" cy="210207"/>
-          </a:xfrm>
-          <a:prstGeom prst="rightArrow">
-            <a:avLst/>
-          </a:prstGeom>
-          <a:solidFill>
-            <a:schemeClr val="tx1"/>
-          </a:solidFill>
-          <a:ln>
-            <a:solidFill>
-              <a:schemeClr val="tx1"/>
-            </a:solidFill>
-          </a:ln>
-        </p:spPr>
-        <p:style>
-          <a:lnRef idx="2">
-            <a:schemeClr val="accent1">
-              <a:shade val="50000"/>
-            </a:schemeClr>
-          </a:lnRef>
-          <a:fillRef idx="1">
-            <a:schemeClr val="accent1"/>
-          </a:fillRef>
-          <a:effectRef idx="0">
-            <a:schemeClr val="accent1"/>
-          </a:effectRef>
-          <a:fontRef idx="minor">
-            <a:schemeClr val="lt1"/>
-          </a:fontRef>
-        </p:style>
-        <p:txBody>
-          <a:bodyPr rtlCol="0" anchor="ctr"/>
-          <a:lstStyle/>
-          <a:p>
-            <a:pPr algn="ctr"/>
-            <a:endParaRPr lang="en-US" dirty="0"/>
-          </a:p>
-        </p:txBody>
-      </p:sp>
-      <p:sp>
-        <p:nvSpPr>
           <p:cNvPr id="18" name="TextBox 17">
             <a:extLst>
               <a:ext uri="{FF2B5EF4-FFF2-40B4-BE49-F238E27FC236}">
@@ -7151,7 +6544,7 @@
     </p:spTree>
     <p:extLst>
       <p:ext uri="{BB962C8B-B14F-4D97-AF65-F5344CB8AC3E}">
-        <p14:creationId xmlns:p14="http://schemas.microsoft.com/office/powerpoint/2010/main" val="387294031"/>
+        <p14:creationId xmlns:p14="http://schemas.microsoft.com/office/powerpoint/2010/main" val="2295802091"/>
       </p:ext>
     </p:extLst>
   </p:cSld>
@@ -7179,7 +6572,7 @@
                             </p:stCondLst>
                             <p:childTnLst>
                               <p:par>
-                                <p:cTn id="5" presetID="10" presetClass="entr" presetSubtype="0" fill="hold" grpId="0" nodeType="clickEffect">
+                                <p:cTn id="5" presetID="1" presetClass="entr" presetSubtype="0" fill="hold" grpId="0" nodeType="clickEffect">
                                   <p:stCondLst>
                                     <p:cond delay="0"/>
                                   </p:stCondLst>
@@ -7202,11 +6595,56 @@
                                         <p:strVal val="visible"/>
                                       </p:to>
                                     </p:set>
+                                  </p:childTnLst>
+                                </p:cTn>
+                              </p:par>
+                            </p:childTnLst>
+                          </p:cTn>
+                        </p:par>
+                      </p:childTnLst>
+                    </p:cTn>
+                  </p:par>
+                  <p:par>
+                    <p:cTn id="7" fill="hold">
+                      <p:stCondLst>
+                        <p:cond delay="indefinite"/>
+                      </p:stCondLst>
+                      <p:childTnLst>
+                        <p:par>
+                          <p:cTn id="8" fill="hold">
+                            <p:stCondLst>
+                              <p:cond delay="0"/>
+                            </p:stCondLst>
+                            <p:childTnLst>
+                              <p:par>
+                                <p:cTn id="9" presetID="10" presetClass="entr" presetSubtype="0" fill="hold" nodeType="clickEffect">
+                                  <p:stCondLst>
+                                    <p:cond delay="0"/>
+                                  </p:stCondLst>
+                                  <p:childTnLst>
+                                    <p:set>
+                                      <p:cBhvr>
+                                        <p:cTn id="10" dur="1" fill="hold">
+                                          <p:stCondLst>
+                                            <p:cond delay="0"/>
+                                          </p:stCondLst>
+                                        </p:cTn>
+                                        <p:tgtEl>
+                                          <p:spTgt spid="3"/>
+                                        </p:tgtEl>
+                                        <p:attrNameLst>
+                                          <p:attrName>style.visibility</p:attrName>
+                                        </p:attrNameLst>
+                                      </p:cBhvr>
+                                      <p:to>
+                                        <p:strVal val="visible"/>
+                                      </p:to>
+                                    </p:set>
                                     <p:animEffect transition="in" filter="fade">
                                       <p:cBhvr>
-                                        <p:cTn id="7" dur="500"/>
+                                        <p:cTn id="11" dur="500"/>
                                         <p:tgtEl>
-                                          <p:spTgt spid="14"/>
+                                          <p:spTgt spid="3"/>
                                         </p:tgtEl>
                                       </p:cBhvr>
                                     </p:animEffect>
@@ -7220,79 +6658,26 @@
                     </p:cTn>
                   </p:par>
                   <p:par>
-                    <p:cTn id="8" fill="hold">
+                    <p:cTn id="12" fill="hold">
                       <p:stCondLst>
                         <p:cond delay="indefinite"/>
                       </p:stCondLst>
                       <p:childTnLst>
                         <p:par>
-                          <p:cTn id="9" fill="hold">
+                          <p:cTn id="13" fill="hold">
                             <p:stCondLst>
                               <p:cond delay="0"/>
                             </p:stCondLst>
                             <p:childTnLst>
                               <p:par>
-                                <p:cTn id="10" presetID="10" presetClass="entr" presetSubtype="0" fill="hold" nodeType="clickEffect">
+                                <p:cTn id="14" presetID="1" presetClass="entr" presetSubtype="0" fill="hold" grpId="0" nodeType="clickEffect">
                                   <p:stCondLst>
                                     <p:cond delay="0"/>
                                   </p:stCondLst>
                                   <p:childTnLst>
                                     <p:set>
                                       <p:cBhvr>
-                                        <p:cTn id="11" dur="1" fill="hold">
-                                          <p:stCondLst>
-                                            <p:cond delay="0"/>
-                                          </p:stCondLst>
-                                        </p:cTn>
-                                        <p:tgtEl>
-                                          <p:spTgt spid="5"/>
-                                        </p:tgtEl>
-                                        <p:attrNameLst>
-                                          <p:attrName>style.visibility</p:attrName>
-                                        </p:attrNameLst>
-                                      </p:cBhvr>
-                                      <p:to>
-                                        <p:strVal val="visible"/>
-                                      </p:to>
-                                    </p:set>
-                                    <p:animEffect transition="in" filter="fade">
-                                      <p:cBhvr>
-                                        <p:cTn id="12" dur="500"/>
-                                        <p:tgtEl>
-                                          <p:spTgt spid="5"/>
-                                        </p:tgtEl>
-                                      </p:cBhvr>
-                                    </p:animEffect>
-                                  </p:childTnLst>
-                                </p:cTn>
-                              </p:par>
-                            </p:childTnLst>
-                          </p:cTn>
-                        </p:par>
-                      </p:childTnLst>
-                    </p:cTn>
-                  </p:par>
-                  <p:par>
-                    <p:cTn id="13" fill="hold">
-                      <p:stCondLst>
-                        <p:cond delay="indefinite"/>
-                      </p:stCondLst>
-                      <p:childTnLst>
-                        <p:par>
-                          <p:cTn id="14" fill="hold">
-                            <p:stCondLst>
-                              <p:cond delay="0"/>
-                            </p:stCondLst>
-                            <p:childTnLst>
-                              <p:par>
-                                <p:cTn id="15" presetID="1" presetClass="entr" presetSubtype="0" fill="hold" grpId="0" nodeType="clickEffect">
-                                  <p:stCondLst>
-                                    <p:cond delay="0"/>
-                                  </p:stCondLst>
-                                  <p:childTnLst>
-                                    <p:set>
-                                      <p:cBhvr>
-                                        <p:cTn id="16" dur="1" fill="hold">
+                                        <p:cTn id="15" dur="1" fill="hold">
                                           <p:stCondLst>
                                             <p:cond delay="0"/>
                                           </p:stCondLst>
@@ -7318,26 +6703,26 @@
                     </p:cTn>
                   </p:par>
                   <p:par>
-                    <p:cTn id="17" fill="hold">
+                    <p:cTn id="16" fill="hold">
                       <p:stCondLst>
                         <p:cond delay="indefinite"/>
                       </p:stCondLst>
                       <p:childTnLst>
                         <p:par>
-                          <p:cTn id="18" fill="hold">
+                          <p:cTn id="17" fill="hold">
                             <p:stCondLst>
                               <p:cond delay="0"/>
                             </p:stCondLst>
                             <p:childTnLst>
                               <p:par>
-                                <p:cTn id="19" presetID="10" presetClass="entr" presetSubtype="0" fill="hold" nodeType="clickEffect">
+                                <p:cTn id="18" presetID="10" presetClass="entr" presetSubtype="0" fill="hold" nodeType="clickEffect">
                                   <p:stCondLst>
                                     <p:cond delay="0"/>
                                   </p:stCondLst>
                                   <p:childTnLst>
                                     <p:set>
                                       <p:cBhvr>
-                                        <p:cTn id="20" dur="1" fill="hold">
+                                        <p:cTn id="19" dur="1" fill="hold">
                                           <p:stCondLst>
                                             <p:cond delay="0"/>
                                           </p:stCondLst>
@@ -7355,7 +6740,7 @@
                                     </p:set>
                                     <p:animEffect transition="in" filter="fade">
                                       <p:cBhvr>
-                                        <p:cTn id="21" dur="500"/>
+                                        <p:cTn id="20" dur="500"/>
                                         <p:tgtEl>
                                           <p:spTgt spid="9"/>
                                         </p:tgtEl>
@@ -7371,26 +6756,26 @@
                     </p:cTn>
                   </p:par>
                   <p:par>
-                    <p:cTn id="22" fill="hold">
+                    <p:cTn id="21" fill="hold">
                       <p:stCondLst>
                         <p:cond delay="indefinite"/>
                       </p:stCondLst>
                       <p:childTnLst>
                         <p:par>
-                          <p:cTn id="23" fill="hold">
+                          <p:cTn id="22" fill="hold">
                             <p:stCondLst>
                               <p:cond delay="0"/>
                             </p:stCondLst>
                             <p:childTnLst>
                               <p:par>
-                                <p:cTn id="24" presetID="1" presetClass="entr" presetSubtype="0" fill="hold" grpId="0" nodeType="clickEffect">
+                                <p:cTn id="23" presetID="1" presetClass="entr" presetSubtype="0" fill="hold" grpId="0" nodeType="clickEffect">
                                   <p:stCondLst>
                                     <p:cond delay="0"/>
                                   </p:stCondLst>
                                   <p:childTnLst>
                                     <p:set>
                                       <p:cBhvr>
-                                        <p:cTn id="25" dur="1" fill="hold">
+                                        <p:cTn id="24" dur="1" fill="hold">
                                           <p:stCondLst>
                                             <p:cond delay="0"/>
                                           </p:stCondLst>
@@ -7416,32 +6801,32 @@
                     </p:cTn>
                   </p:par>
                   <p:par>
-                    <p:cTn id="26" fill="hold">
+                    <p:cTn id="25" fill="hold">
                       <p:stCondLst>
                         <p:cond delay="indefinite"/>
                       </p:stCondLst>
                       <p:childTnLst>
                         <p:par>
-                          <p:cTn id="27" fill="hold">
+                          <p:cTn id="26" fill="hold">
                             <p:stCondLst>
                               <p:cond delay="0"/>
                             </p:stCondLst>
                             <p:childTnLst>
                               <p:par>
-                                <p:cTn id="28" presetID="10" presetClass="entr" presetSubtype="0" fill="hold" nodeType="clickEffect">
+                                <p:cTn id="27" presetID="1" presetClass="entr" presetSubtype="0" fill="hold" nodeType="clickEffect">
                                   <p:stCondLst>
                                     <p:cond delay="0"/>
                                   </p:stCondLst>
                                   <p:childTnLst>
                                     <p:set>
                                       <p:cBhvr>
-                                        <p:cTn id="29" dur="1" fill="hold">
+                                        <p:cTn id="28" dur="1" fill="hold">
                                           <p:stCondLst>
                                             <p:cond delay="0"/>
                                           </p:stCondLst>
                                         </p:cTn>
                                         <p:tgtEl>
-                                          <p:spTgt spid="11"/>
+                                          <p:spTgt spid="6"/>
                                         </p:tgtEl>
                                         <p:attrNameLst>
                                           <p:attrName>style.visibility</p:attrName>
@@ -7451,112 +6836,6 @@
                                         <p:strVal val="visible"/>
                                       </p:to>
                                     </p:set>
-                                    <p:animEffect transition="in" filter="fade">
-                                      <p:cBhvr>
-                                        <p:cTn id="30" dur="500"/>
-                                        <p:tgtEl>
-                                          <p:spTgt spid="11"/>
-                                        </p:tgtEl>
-                                      </p:cBhvr>
-                                    </p:animEffect>
-                                  </p:childTnLst>
-                                </p:cTn>
-                              </p:par>
-                            </p:childTnLst>
-                          </p:cTn>
-                        </p:par>
-                      </p:childTnLst>
-                    </p:cTn>
-                  </p:par>
-                  <p:par>
-                    <p:cTn id="31" fill="hold">
-                      <p:stCondLst>
-                        <p:cond delay="indefinite"/>
-                      </p:stCondLst>
-                      <p:childTnLst>
-                        <p:par>
-                          <p:cTn id="32" fill="hold">
-                            <p:stCondLst>
-                              <p:cond delay="0"/>
-                            </p:stCondLst>
-                            <p:childTnLst>
-                              <p:par>
-                                <p:cTn id="33" presetID="1" presetClass="entr" presetSubtype="0" fill="hold" grpId="0" nodeType="clickEffect">
-                                  <p:stCondLst>
-                                    <p:cond delay="0"/>
-                                  </p:stCondLst>
-                                  <p:childTnLst>
-                                    <p:set>
-                                      <p:cBhvr>
-                                        <p:cTn id="34" dur="1" fill="hold">
-                                          <p:stCondLst>
-                                            <p:cond delay="0"/>
-                                          </p:stCondLst>
-                                        </p:cTn>
-                                        <p:tgtEl>
-                                          <p:spTgt spid="17"/>
-                                        </p:tgtEl>
-                                        <p:attrNameLst>
-                                          <p:attrName>style.visibility</p:attrName>
-                                        </p:attrNameLst>
-                                      </p:cBhvr>
-                                      <p:to>
-                                        <p:strVal val="visible"/>
-                                      </p:to>
-                                    </p:set>
-                                  </p:childTnLst>
-                                </p:cTn>
-                              </p:par>
-                            </p:childTnLst>
-                          </p:cTn>
-                        </p:par>
-                      </p:childTnLst>
-                    </p:cTn>
-                  </p:par>
-                  <p:par>
-                    <p:cTn id="35" fill="hold">
-                      <p:stCondLst>
-                        <p:cond delay="indefinite"/>
-                      </p:stCondLst>
-                      <p:childTnLst>
-                        <p:par>
-                          <p:cTn id="36" fill="hold">
-                            <p:stCondLst>
-                              <p:cond delay="0"/>
-                            </p:stCondLst>
-                            <p:childTnLst>
-                              <p:par>
-                                <p:cTn id="37" presetID="10" presetClass="entr" presetSubtype="0" fill="hold" nodeType="clickEffect">
-                                  <p:stCondLst>
-                                    <p:cond delay="0"/>
-                                  </p:stCondLst>
-                                  <p:childTnLst>
-                                    <p:set>
-                                      <p:cBhvr>
-                                        <p:cTn id="38" dur="1" fill="hold">
-                                          <p:stCondLst>
-                                            <p:cond delay="0"/>
-                                          </p:stCondLst>
-                                        </p:cTn>
-                                        <p:tgtEl>
-                                          <p:spTgt spid="13"/>
-                                        </p:tgtEl>
-                                        <p:attrNameLst>
-                                          <p:attrName>style.visibility</p:attrName>
-                                        </p:attrNameLst>
-                                      </p:cBhvr>
-                                      <p:to>
-                                        <p:strVal val="visible"/>
-                                      </p:to>
-                                    </p:set>
-                                    <p:animEffect transition="in" filter="fade">
-                                      <p:cBhvr>
-                                        <p:cTn id="39" dur="500"/>
-                                        <p:tgtEl>
-                                          <p:spTgt spid="13"/>
-                                        </p:tgtEl>
-                                      </p:cBhvr>
-                                    </p:animEffect>
                                   </p:childTnLst>
                                 </p:cTn>
                               </p:par>
@@ -7591,9 +6870,218 @@
       <p:bldP spid="14" grpId="0" animBg="1"/>
       <p:bldP spid="15" grpId="0" animBg="1"/>
       <p:bldP spid="16" grpId="0" animBg="1"/>
-      <p:bldP spid="17" grpId="0" animBg="1"/>
     </p:bldLst>
   </p:timing>
+</p:sld>
+</file>
+
+<file path=ppt/slides/slide8.xml><?xml version="1.0" encoding="utf-8"?>
+<p:sld xmlns:a="http://schemas.openxmlformats.org/drawingml/2006/main" xmlns:r="http://schemas.openxmlformats.org/officeDocument/2006/relationships" xmlns:p="http://schemas.openxmlformats.org/presentationml/2006/main">
+  <p:cSld>
+    <p:spTree>
+      <p:nvGrpSpPr>
+        <p:cNvPr id="1" name=""/>
+        <p:cNvGrpSpPr/>
+        <p:nvPr/>
+      </p:nvGrpSpPr>
+      <p:grpSpPr>
+        <a:xfrm>
+          <a:off x="0" y="0"/>
+          <a:ext cx="0" cy="0"/>
+          <a:chOff x="0" y="0"/>
+          <a:chExt cx="0" cy="0"/>
+        </a:xfrm>
+      </p:grpSpPr>
+      <p:sp>
+        <p:nvSpPr>
+          <p:cNvPr id="18" name="TextBox 17">
+            <a:extLst>
+              <a:ext uri="{FF2B5EF4-FFF2-40B4-BE49-F238E27FC236}">
+                <a16:creationId xmlns:a16="http://schemas.microsoft.com/office/drawing/2014/main" id="{3A7CFE96-3E65-0D4E-2C7C-7352B83CBFE6}"/>
+              </a:ext>
+            </a:extLst>
+          </p:cNvPr>
+          <p:cNvSpPr txBox="1"/>
+          <p:nvPr/>
+        </p:nvSpPr>
+        <p:spPr>
+          <a:xfrm>
+            <a:off x="168164" y="198637"/>
+            <a:ext cx="6096000" cy="1077218"/>
+          </a:xfrm>
+          <a:prstGeom prst="rect">
+            <a:avLst/>
+          </a:prstGeom>
+          <a:noFill/>
+        </p:spPr>
+        <p:txBody>
+          <a:bodyPr wrap="square">
+            <a:spAutoFit/>
+          </a:bodyPr>
+          <a:lstStyle/>
+          <a:p>
+            <a:r>
+              <a:rPr lang="en-US" sz="3200" b="1" dirty="0">
+                <a:solidFill>
+                  <a:srgbClr val="FE5722"/>
+                </a:solidFill>
+                <a:latin typeface="-apple-system"/>
+              </a:rPr>
+              <a:t>Notifications page :</a:t>
+            </a:r>
+            <a:br>
+              <a:rPr lang="en-US" sz="3200" b="1" dirty="0">
+                <a:solidFill>
+                  <a:srgbClr val="FE5722"/>
+                </a:solidFill>
+                <a:latin typeface="-apple-system"/>
+              </a:rPr>
+            </a:br>
+            <a:endParaRPr lang="en-US" sz="3200" b="1" dirty="0">
+              <a:solidFill>
+                <a:srgbClr val="FE5722"/>
+              </a:solidFill>
+              <a:latin typeface="-apple-system"/>
+            </a:endParaRPr>
+          </a:p>
+        </p:txBody>
+      </p:sp>
+      <p:pic>
+        <p:nvPicPr>
+          <p:cNvPr id="19" name="Picture 18" descr="Graphical user interface, text, application&#10;&#10;Description automatically generated">
+            <a:extLst>
+              <a:ext uri="{FF2B5EF4-FFF2-40B4-BE49-F238E27FC236}">
+                <a16:creationId xmlns:a16="http://schemas.microsoft.com/office/drawing/2014/main" id="{BFB0B1DF-13FA-3901-FE1B-127D96D5F88C}"/>
+              </a:ext>
+            </a:extLst>
+          </p:cNvPr>
+          <p:cNvPicPr>
+            <a:picLocks noChangeAspect="1"/>
+          </p:cNvPicPr>
+          <p:nvPr/>
+        </p:nvPicPr>
+        <p:blipFill>
+          <a:blip r:embed="rId2">
+            <a:extLst>
+              <a:ext uri="{28A0092B-C50C-407E-A947-70E740481C1C}">
+                <a14:useLocalDpi xmlns:a14="http://schemas.microsoft.com/office/drawing/2010/main" val="0"/>
+              </a:ext>
+            </a:extLst>
+          </a:blip>
+          <a:stretch>
+            <a:fillRect/>
+          </a:stretch>
+        </p:blipFill>
+        <p:spPr>
+          <a:xfrm>
+            <a:off x="2546543" y="1187669"/>
+            <a:ext cx="2803644" cy="5764924"/>
+          </a:xfrm>
+          <a:prstGeom prst="rect">
+            <a:avLst/>
+          </a:prstGeom>
+        </p:spPr>
+      </p:pic>
+      <p:pic>
+        <p:nvPicPr>
+          <p:cNvPr id="21" name="Picture 20" descr="Graphical user interface, text, application&#10;&#10;Description automatically generated">
+            <a:extLst>
+              <a:ext uri="{FF2B5EF4-FFF2-40B4-BE49-F238E27FC236}">
+                <a16:creationId xmlns:a16="http://schemas.microsoft.com/office/drawing/2014/main" id="{BBCA3058-8D92-7901-A664-BDF0BA1FA2A2}"/>
+              </a:ext>
+            </a:extLst>
+          </p:cNvPr>
+          <p:cNvPicPr>
+            <a:picLocks noChangeAspect="1"/>
+          </p:cNvPicPr>
+          <p:nvPr/>
+        </p:nvPicPr>
+        <p:blipFill>
+          <a:blip r:embed="rId3">
+            <a:extLst>
+              <a:ext uri="{28A0092B-C50C-407E-A947-70E740481C1C}">
+                <a14:useLocalDpi xmlns:a14="http://schemas.microsoft.com/office/drawing/2010/main" val="0"/>
+              </a:ext>
+            </a:extLst>
+          </a:blip>
+          <a:stretch>
+            <a:fillRect/>
+          </a:stretch>
+        </p:blipFill>
+        <p:spPr>
+          <a:xfrm>
+            <a:off x="5906814" y="1187669"/>
+            <a:ext cx="2849132" cy="5764924"/>
+          </a:xfrm>
+          <a:prstGeom prst="rect">
+            <a:avLst/>
+          </a:prstGeom>
+        </p:spPr>
+      </p:pic>
+      <p:sp>
+        <p:nvSpPr>
+          <p:cNvPr id="22" name="Arrow: Right 21">
+            <a:extLst>
+              <a:ext uri="{FF2B5EF4-FFF2-40B4-BE49-F238E27FC236}">
+                <a16:creationId xmlns:a16="http://schemas.microsoft.com/office/drawing/2014/main" id="{0124292E-D9AC-2700-0A37-4025AEE43B06}"/>
+              </a:ext>
+            </a:extLst>
+          </p:cNvPr>
+          <p:cNvSpPr/>
+          <p:nvPr/>
+        </p:nvSpPr>
+        <p:spPr>
+          <a:xfrm rot="7861871">
+            <a:off x="5217151" y="1118421"/>
+            <a:ext cx="591958" cy="138495"/>
+          </a:xfrm>
+          <a:prstGeom prst="rightArrow">
+            <a:avLst/>
+          </a:prstGeom>
+          <a:solidFill>
+            <a:schemeClr val="tx1"/>
+          </a:solidFill>
+          <a:ln>
+            <a:solidFill>
+              <a:schemeClr val="tx1"/>
+            </a:solidFill>
+          </a:ln>
+        </p:spPr>
+        <p:style>
+          <a:lnRef idx="2">
+            <a:schemeClr val="accent1">
+              <a:shade val="50000"/>
+            </a:schemeClr>
+          </a:lnRef>
+          <a:fillRef idx="1">
+            <a:schemeClr val="accent1"/>
+          </a:fillRef>
+          <a:effectRef idx="0">
+            <a:schemeClr val="accent1"/>
+          </a:effectRef>
+          <a:fontRef idx="minor">
+            <a:schemeClr val="lt1"/>
+          </a:fontRef>
+        </p:style>
+        <p:txBody>
+          <a:bodyPr rtlCol="0" anchor="ctr"/>
+          <a:lstStyle/>
+          <a:p>
+            <a:pPr algn="ctr"/>
+            <a:endParaRPr lang="en-US" dirty="0"/>
+          </a:p>
+        </p:txBody>
+      </p:sp>
+    </p:spTree>
+    <p:extLst>
+      <p:ext uri="{BB962C8B-B14F-4D97-AF65-F5344CB8AC3E}">
+        <p14:creationId xmlns:p14="http://schemas.microsoft.com/office/powerpoint/2010/main" val="387294031"/>
+      </p:ext>
+    </p:extLst>
+  </p:cSld>
+  <p:clrMapOvr>
+    <a:masterClrMapping/>
+  </p:clrMapOvr>
 </p:sld>
 </file>
 
@@ -7616,10 +7104,10 @@
       </p:grpSpPr>
       <p:sp>
         <p:nvSpPr>
-          <p:cNvPr id="7" name="TextBox 6">
+          <p:cNvPr id="18" name="TextBox 17">
             <a:extLst>
               <a:ext uri="{FF2B5EF4-FFF2-40B4-BE49-F238E27FC236}">
-                <a16:creationId xmlns:a16="http://schemas.microsoft.com/office/drawing/2014/main" id="{648EFED8-F9DC-F5D0-BAA4-2A1A0EB41D89}"/>
+                <a16:creationId xmlns:a16="http://schemas.microsoft.com/office/drawing/2014/main" id="{3A7CFE96-3E65-0D4E-2C7C-7352B83CBFE6}"/>
               </a:ext>
             </a:extLst>
           </p:cNvPr>
@@ -7628,8 +7116,8 @@
         </p:nvSpPr>
         <p:spPr>
           <a:xfrm>
-            <a:off x="430925" y="535292"/>
-            <a:ext cx="6096000" cy="646331"/>
+            <a:off x="168164" y="198637"/>
+            <a:ext cx="6096000" cy="1077218"/>
           </a:xfrm>
           <a:prstGeom prst="rect">
             <a:avLst/>
@@ -7643,21 +7131,71 @@
           <a:lstStyle/>
           <a:p>
             <a:r>
-              <a:rPr lang="en-US" sz="3600" dirty="0">
+              <a:rPr lang="en-US" sz="3200" b="1" dirty="0">
                 <a:solidFill>
                   <a:srgbClr val="FE5722"/>
                 </a:solidFill>
+                <a:latin typeface="-apple-system"/>
               </a:rPr>
-              <a:t>Live demo </a:t>
-            </a:r>
-            <a:endParaRPr lang="en-US" sz="3600" dirty="0"/>
-          </a:p>
-        </p:txBody>
-      </p:sp>
+              <a:t>Community page :</a:t>
+            </a:r>
+            <a:br>
+              <a:rPr lang="en-US" sz="3200" b="1" dirty="0">
+                <a:solidFill>
+                  <a:srgbClr val="FE5722"/>
+                </a:solidFill>
+                <a:latin typeface="-apple-system"/>
+              </a:rPr>
+            </a:br>
+            <a:endParaRPr lang="en-US" sz="3200" b="1" dirty="0">
+              <a:solidFill>
+                <a:srgbClr val="FE5722"/>
+              </a:solidFill>
+              <a:latin typeface="-apple-system"/>
+            </a:endParaRPr>
+          </a:p>
+        </p:txBody>
+      </p:sp>
+      <p:pic>
+        <p:nvPicPr>
+          <p:cNvPr id="3" name="Picture 2" descr="Graphical user interface, diagram, engineering drawing&#10;&#10;Description automatically generated">
+            <a:extLst>
+              <a:ext uri="{FF2B5EF4-FFF2-40B4-BE49-F238E27FC236}">
+                <a16:creationId xmlns:a16="http://schemas.microsoft.com/office/drawing/2014/main" id="{E60716E3-71FE-BF4D-175D-C3C9423CAA61}"/>
+              </a:ext>
+            </a:extLst>
+          </p:cNvPr>
+          <p:cNvPicPr>
+            <a:picLocks noChangeAspect="1"/>
+          </p:cNvPicPr>
+          <p:nvPr/>
+        </p:nvPicPr>
+        <p:blipFill>
+          <a:blip r:embed="rId2">
+            <a:extLst>
+              <a:ext uri="{28A0092B-C50C-407E-A947-70E740481C1C}">
+                <a14:useLocalDpi xmlns:a14="http://schemas.microsoft.com/office/drawing/2010/main" val="0"/>
+              </a:ext>
+            </a:extLst>
+          </a:blip>
+          <a:stretch>
+            <a:fillRect/>
+          </a:stretch>
+        </p:blipFill>
+        <p:spPr>
+          <a:xfrm>
+            <a:off x="4701650" y="550520"/>
+            <a:ext cx="2970902" cy="6108843"/>
+          </a:xfrm>
+          <a:prstGeom prst="rect">
+            <a:avLst/>
+          </a:prstGeom>
+        </p:spPr>
+      </p:pic>
     </p:spTree>
     <p:extLst>
       <p:ext uri="{BB962C8B-B14F-4D97-AF65-F5344CB8AC3E}">
-        <p14:creationId xmlns:p14="http://schemas.microsoft.com/office/powerpoint/2010/main" val="1873534557"/>
+        <p14:creationId xmlns:p14="http://schemas.microsoft.com/office/powerpoint/2010/main" val="925847244"/>
       </p:ext>
     </p:extLst>
   </p:cSld>
